--- a/Documents/Snappy Snake FINAL Presentation.pptx
+++ b/Documents/Snappy Snake FINAL Presentation.pptx
@@ -9,8 +9,7 @@
     <p:sldId id="263" r:id="rId3"/>
     <p:sldId id="258" r:id="rId4"/>
     <p:sldId id="264" r:id="rId5"/>
-    <p:sldId id="265" r:id="rId6"/>
-    <p:sldId id="262" r:id="rId7"/>
+    <p:sldId id="262" r:id="rId6"/>
   </p:sldIdLst>
   <p:sldSz cx="12192000" cy="6858000"/>
   <p:notesSz cx="6858000" cy="9144000"/>
@@ -279,7 +278,7 @@
           <a:p>
             <a:fld id="{9549D6DC-E1CB-4874-BF52-C3407230D20E}" type="datetime1">
               <a:rPr lang="en-US" smtClean="0"/>
-              <a:t>4/5/2025</a:t>
+              <a:t>4/10/2025</a:t>
             </a:fld>
             <a:endParaRPr lang="en-US"/>
           </a:p>
@@ -488,7 +487,7 @@
           <a:p>
             <a:fld id="{F7701D81-C4B9-4A87-89A7-22E29E6C9200}" type="datetime1">
               <a:rPr lang="en-US" smtClean="0"/>
-              <a:t>4/5/2025</a:t>
+              <a:t>4/10/2025</a:t>
             </a:fld>
             <a:endParaRPr lang="en-US"/>
           </a:p>
@@ -698,7 +697,7 @@
           <a:p>
             <a:fld id="{EE307718-69F7-427E-95A3-C1246AF46913}" type="datetime1">
               <a:rPr lang="en-US" smtClean="0"/>
-              <a:t>4/5/2025</a:t>
+              <a:t>4/10/2025</a:t>
             </a:fld>
             <a:endParaRPr lang="en-US"/>
           </a:p>
@@ -898,7 +897,7 @@
           <a:p>
             <a:fld id="{48913E51-B7F7-4C24-B8E3-5471755DC0E0}" type="datetime1">
               <a:rPr lang="en-US" smtClean="0"/>
-              <a:t>4/5/2025</a:t>
+              <a:t>4/10/2025</a:t>
             </a:fld>
             <a:endParaRPr lang="en-US"/>
           </a:p>
@@ -1179,7 +1178,7 @@
           <a:p>
             <a:fld id="{DA91A59F-D956-4598-A3C1-AE72A5387751}" type="datetime1">
               <a:rPr lang="en-US" smtClean="0"/>
-              <a:t>4/5/2025</a:t>
+              <a:t>4/10/2025</a:t>
             </a:fld>
             <a:endParaRPr lang="en-US" dirty="0"/>
           </a:p>
@@ -1447,7 +1446,7 @@
           <a:p>
             <a:fld id="{D70BBD69-7BD3-4731-8064-242619E92CBE}" type="datetime1">
               <a:rPr lang="en-US" smtClean="0"/>
-              <a:t>4/5/2025</a:t>
+              <a:t>4/10/2025</a:t>
             </a:fld>
             <a:endParaRPr lang="en-US"/>
           </a:p>
@@ -1902,7 +1901,7 @@
           <a:p>
             <a:fld id="{38BD77D9-239F-488B-9358-023C46BC7084}" type="datetime1">
               <a:rPr lang="en-US" smtClean="0"/>
-              <a:t>4/5/2025</a:t>
+              <a:t>4/10/2025</a:t>
             </a:fld>
             <a:endParaRPr lang="en-US"/>
           </a:p>
@@ -2049,7 +2048,7 @@
           <a:p>
             <a:fld id="{1EE61C24-7140-4FDE-92F3-654C6E2D3C1C}" type="datetime1">
               <a:rPr lang="en-US" smtClean="0"/>
-              <a:t>4/5/2025</a:t>
+              <a:t>4/10/2025</a:t>
             </a:fld>
             <a:endParaRPr lang="en-US"/>
           </a:p>
@@ -2162,7 +2161,7 @@
           <a:p>
             <a:fld id="{DC4D6ACF-ECB9-4B5F-A429-08B8AC75E8EF}" type="datetime1">
               <a:rPr lang="en-US" smtClean="0"/>
-              <a:t>4/5/2025</a:t>
+              <a:t>4/10/2025</a:t>
             </a:fld>
             <a:endParaRPr lang="en-US"/>
           </a:p>
@@ -2481,7 +2480,7 @@
           <a:p>
             <a:fld id="{788B429B-EE2A-486A-BDB9-0C848B4FAFDD}" type="datetime1">
               <a:rPr lang="en-US" smtClean="0"/>
-              <a:t>4/5/2025</a:t>
+              <a:t>4/10/2025</a:t>
             </a:fld>
             <a:endParaRPr lang="en-US"/>
           </a:p>
@@ -2778,7 +2777,7 @@
           <a:p>
             <a:fld id="{8DA5FE4A-CB8D-40AB-BFFC-AAF37EA071CB}" type="datetime1">
               <a:rPr lang="en-US" smtClean="0"/>
-              <a:t>4/5/2025</a:t>
+              <a:t>4/10/2025</a:t>
             </a:fld>
             <a:endParaRPr lang="en-US"/>
           </a:p>
@@ -3426,7 +3425,7 @@
           <a:p>
             <a:fld id="{C0517C94-3B1E-4991-BED3-41F8B0158A00}" type="datetime1">
               <a:rPr lang="en-US" smtClean="0"/>
-              <a:t>4/5/2025</a:t>
+              <a:t>4/10/2025</a:t>
             </a:fld>
             <a:endParaRPr lang="en-US" dirty="0"/>
           </a:p>
@@ -3959,6 +3958,15 @@
           <a:blip r:embed="rId2">
             <a:alphaModFix/>
             <a:extLst>
+              <a:ext uri="{BEBA8EAE-BF5A-486C-A8C5-ECC9F3942E4B}">
+                <a14:imgProps xmlns:a14="http://schemas.microsoft.com/office/drawing/2010/main">
+                  <a14:imgLayer r:embed="rId3">
+                    <a14:imgEffect>
+                      <a14:colorTemperature colorTemp="8847"/>
+                    </a14:imgEffect>
+                  </a14:imgLayer>
+                </a14:imgProps>
+              </a:ext>
               <a:ext uri="{28A0092B-C50C-407E-A947-70E740481C1C}">
                 <a14:useLocalDpi xmlns:a14="http://schemas.microsoft.com/office/drawing/2010/main" val="0"/>
               </a:ext>
@@ -4117,7 +4125,7 @@
         <p:spPr>
           <a:xfrm>
             <a:off x="711900" y="4107801"/>
-            <a:ext cx="10768200" cy="1327421"/>
+            <a:ext cx="10768200" cy="2045349"/>
           </a:xfrm>
         </p:spPr>
         <p:txBody>
@@ -4128,7 +4136,7 @@
           <a:p>
             <a:pPr algn="ctr"/>
             <a:r>
-              <a:rPr lang="en-US" sz="3600" dirty="0">
+              <a:rPr lang="en-US" sz="4000" dirty="0">
                 <a:solidFill>
                   <a:schemeClr val="bg1"/>
                 </a:solidFill>
@@ -4140,7 +4148,7 @@
           <a:p>
             <a:pPr algn="ctr"/>
             <a:r>
-              <a:rPr lang="en-US" sz="3600" dirty="0">
+              <a:rPr lang="en-US" sz="4000" dirty="0">
                 <a:solidFill>
                   <a:schemeClr val="bg1"/>
                 </a:solidFill>
@@ -4149,7 +4157,7 @@
               <a:t>from </a:t>
             </a:r>
             <a:r>
-              <a:rPr lang="en-US" sz="3600" dirty="0" err="1">
+              <a:rPr lang="en-US" sz="4000" dirty="0" err="1">
                 <a:solidFill>
                   <a:schemeClr val="bg1"/>
                 </a:solidFill>
@@ -4158,7 +4166,7 @@
               <a:t>GEx</a:t>
             </a:r>
             <a:r>
-              <a:rPr lang="en-US" sz="3600" dirty="0">
+              <a:rPr lang="en-US" sz="4000" dirty="0">
                 <a:solidFill>
                   <a:schemeClr val="bg1"/>
                 </a:solidFill>
@@ -4947,7 +4955,7 @@
       </p:grpSpPr>
       <p:sp>
         <p:nvSpPr>
-          <p:cNvPr id="64" name="Rectangle 63">
+          <p:cNvPr id="87" name="Rectangle 86">
             <a:extLst>
               <a:ext uri="{FF2B5EF4-FFF2-40B4-BE49-F238E27FC236}">
                 <a16:creationId xmlns:a16="http://schemas.microsoft.com/office/drawing/2014/main" id="{2293296F-4C3A-4530-98F5-F83646ACE913}"/>
@@ -5013,7 +5021,7 @@
       </p:sp>
       <p:grpSp>
         <p:nvGrpSpPr>
-          <p:cNvPr id="66" name="Group 65">
+          <p:cNvPr id="89" name="Group 88">
             <a:extLst>
               <a:ext uri="{FF2B5EF4-FFF2-40B4-BE49-F238E27FC236}">
                 <a16:creationId xmlns:a16="http://schemas.microsoft.com/office/drawing/2014/main" id="{3914D2BD-3C47-433D-81FE-DC6C39595F0E}"/>
@@ -5044,7 +5052,7 @@
         </p:grpSpPr>
         <p:cxnSp>
           <p:nvCxnSpPr>
-            <p:cNvPr id="67" name="Straight Connector 66">
+            <p:cNvPr id="90" name="Straight Connector 89">
               <a:extLst>
                 <a:ext uri="{FF2B5EF4-FFF2-40B4-BE49-F238E27FC236}">
                   <a16:creationId xmlns:a16="http://schemas.microsoft.com/office/drawing/2014/main" id="{D3DD55E4-EA4F-4874-8B5B-6E0EAF4BBFC4}"/>
@@ -5096,7 +5104,7 @@
         </p:cxnSp>
         <p:cxnSp>
           <p:nvCxnSpPr>
-            <p:cNvPr id="68" name="Straight Connector 67">
+            <p:cNvPr id="91" name="Straight Connector 90">
               <a:extLst>
                 <a:ext uri="{FF2B5EF4-FFF2-40B4-BE49-F238E27FC236}">
                   <a16:creationId xmlns:a16="http://schemas.microsoft.com/office/drawing/2014/main" id="{32950BAF-7673-4138-AEA2-DE7D368CC357}"/>
@@ -5148,7 +5156,7 @@
         </p:cxnSp>
         <p:cxnSp>
           <p:nvCxnSpPr>
-            <p:cNvPr id="69" name="Straight Connector 68">
+            <p:cNvPr id="92" name="Straight Connector 91">
               <a:extLst>
                 <a:ext uri="{FF2B5EF4-FFF2-40B4-BE49-F238E27FC236}">
                   <a16:creationId xmlns:a16="http://schemas.microsoft.com/office/drawing/2014/main" id="{6BE3E2B5-EA1C-415A-941A-843C7EA148E1}"/>
@@ -5200,7 +5208,7 @@
         </p:cxnSp>
         <p:cxnSp>
           <p:nvCxnSpPr>
-            <p:cNvPr id="70" name="Straight Connector 69">
+            <p:cNvPr id="93" name="Straight Connector 92">
               <a:extLst>
                 <a:ext uri="{FF2B5EF4-FFF2-40B4-BE49-F238E27FC236}">
                   <a16:creationId xmlns:a16="http://schemas.microsoft.com/office/drawing/2014/main" id="{087FA3A6-E398-4576-B6B8-3328028D84B2}"/>
@@ -5252,7 +5260,7 @@
         </p:cxnSp>
         <p:sp>
           <p:nvSpPr>
-            <p:cNvPr id="71" name="Graphic 33">
+            <p:cNvPr id="94" name="Graphic 33">
               <a:extLst>
                 <a:ext uri="{FF2B5EF4-FFF2-40B4-BE49-F238E27FC236}">
                   <a16:creationId xmlns:a16="http://schemas.microsoft.com/office/drawing/2014/main" id="{EFB597D7-65E0-476A-B9EB-3AA6ED33884C}"/>
@@ -5336,7 +5344,7 @@
         </p:sp>
         <p:sp>
           <p:nvSpPr>
-            <p:cNvPr id="72" name="Graphic 33">
+            <p:cNvPr id="95" name="Graphic 33">
               <a:extLst>
                 <a:ext uri="{FF2B5EF4-FFF2-40B4-BE49-F238E27FC236}">
                   <a16:creationId xmlns:a16="http://schemas.microsoft.com/office/drawing/2014/main" id="{11AA060A-BE0E-4687-8F9E-0E2955D9796D}"/>
@@ -5421,7 +5429,7 @@
       </p:grpSp>
       <p:sp useBgFill="1">
         <p:nvSpPr>
-          <p:cNvPr id="74" name="Rectangle 73">
+          <p:cNvPr id="97" name="Rectangle 96">
             <a:extLst>
               <a:ext uri="{FF2B5EF4-FFF2-40B4-BE49-F238E27FC236}">
                 <a16:creationId xmlns:a16="http://schemas.microsoft.com/office/drawing/2014/main" id="{059AD101-BC08-433A-AD99-409B66C2D2A7}"/>
@@ -5481,7 +5489,7 @@
       </p:sp>
       <p:sp>
         <p:nvSpPr>
-          <p:cNvPr id="76" name="Rectangle 75">
+          <p:cNvPr id="99" name="Rectangle 98">
             <a:extLst>
               <a:ext uri="{FF2B5EF4-FFF2-40B4-BE49-F238E27FC236}">
                 <a16:creationId xmlns:a16="http://schemas.microsoft.com/office/drawing/2014/main" id="{3E788242-4E16-4277-AC99-8601B722B507}"/>
@@ -5559,8 +5567,8 @@
         </p:nvSpPr>
         <p:spPr>
           <a:xfrm>
-            <a:off x="838199" y="96646"/>
-            <a:ext cx="6453950" cy="771656"/>
+            <a:off x="694199" y="253698"/>
+            <a:ext cx="5490073" cy="761864"/>
           </a:xfrm>
           <a:prstGeom prst="rect">
             <a:avLst/>
@@ -5568,7 +5576,7 @@
         </p:spPr>
         <p:txBody>
           <a:bodyPr vert="horz" lIns="91440" tIns="45720" rIns="91440" bIns="45720" rtlCol="0" anchor="b">
-            <a:normAutofit/>
+            <a:normAutofit lnSpcReduction="10000"/>
           </a:bodyPr>
           <a:lstStyle/>
           <a:p>
@@ -5611,8 +5619,8 @@
         </p:nvSpPr>
         <p:spPr>
           <a:xfrm>
-            <a:off x="776363" y="1065104"/>
-            <a:ext cx="6525255" cy="3388042"/>
+            <a:off x="231874" y="1161751"/>
+            <a:ext cx="7054492" cy="5527048"/>
           </a:xfrm>
           <a:prstGeom prst="rect">
             <a:avLst/>
@@ -5632,7 +5640,7 @@
               <a:buChar char="•"/>
             </a:pPr>
             <a:r>
-              <a:rPr lang="en-US" sz="1900" dirty="0">
+              <a:rPr lang="en-US" sz="2000" dirty="0">
                 <a:solidFill>
                   <a:schemeClr val="tx2">
                     <a:lumMod val="60000"/>
@@ -5653,7 +5661,7 @@
               <a:buFont typeface="Arial" panose="020B0604020202020204" pitchFamily="34" charset="0"/>
               <a:buChar char="•"/>
             </a:pPr>
-            <a:endParaRPr lang="en-US" sz="1900" dirty="0">
+            <a:endParaRPr lang="en-US" sz="2000" dirty="0">
               <a:solidFill>
                 <a:schemeClr val="tx2">
                   <a:lumMod val="60000"/>
@@ -5673,7 +5681,7 @@
               <a:buChar char="•"/>
             </a:pPr>
             <a:r>
-              <a:rPr lang="en-US" sz="1900" dirty="0">
+              <a:rPr lang="en-US" sz="2000" dirty="0">
                 <a:solidFill>
                   <a:schemeClr val="tx2">
                     <a:lumMod val="60000"/>
@@ -5695,7 +5703,7 @@
               <a:buChar char="•"/>
             </a:pPr>
             <a:r>
-              <a:rPr lang="en-US" sz="1900" dirty="0">
+              <a:rPr lang="en-US" sz="2000" dirty="0">
                 <a:solidFill>
                   <a:schemeClr val="tx2">
                     <a:lumMod val="60000"/>
@@ -5717,7 +5725,7 @@
               <a:buChar char="•"/>
             </a:pPr>
             <a:r>
-              <a:rPr lang="en-US" sz="1900" dirty="0">
+              <a:rPr lang="en-US" sz="2000" dirty="0">
                 <a:solidFill>
                   <a:schemeClr val="tx2">
                     <a:lumMod val="60000"/>
@@ -5739,7 +5747,7 @@
               <a:buChar char="•"/>
             </a:pPr>
             <a:r>
-              <a:rPr lang="en-US" sz="1900" dirty="0">
+              <a:rPr lang="en-US" sz="2000" dirty="0">
                 <a:solidFill>
                   <a:schemeClr val="tx2">
                     <a:lumMod val="60000"/>
@@ -5760,7 +5768,7 @@
               <a:buFont typeface="Arial" panose="020B0604020202020204" pitchFamily="34" charset="0"/>
               <a:buChar char="•"/>
             </a:pPr>
-            <a:endParaRPr lang="en-US" sz="1900" dirty="0">
+            <a:endParaRPr lang="en-US" sz="2000" dirty="0">
               <a:solidFill>
                 <a:schemeClr val="tx2">
                   <a:lumMod val="60000"/>
@@ -5780,7 +5788,7 @@
               <a:buChar char="•"/>
             </a:pPr>
             <a:r>
-              <a:rPr lang="en-US" sz="1900" dirty="0">
+              <a:rPr lang="en-US" sz="2000" dirty="0">
                 <a:solidFill>
                   <a:schemeClr val="tx2">
                     <a:lumMod val="60000"/>
@@ -5801,7 +5809,7 @@
               <a:buFont typeface="Arial" panose="020B0604020202020204" pitchFamily="34" charset="0"/>
               <a:buChar char="•"/>
             </a:pPr>
-            <a:endParaRPr lang="en-US" sz="1900" dirty="0">
+            <a:endParaRPr lang="en-US" sz="2000" dirty="0">
               <a:solidFill>
                 <a:schemeClr val="tx2">
                   <a:lumMod val="60000"/>
@@ -5821,7 +5829,7 @@
               <a:buChar char="•"/>
             </a:pPr>
             <a:r>
-              <a:rPr lang="en-US" sz="1900" dirty="0">
+              <a:rPr lang="en-US" sz="2000" dirty="0">
                 <a:solidFill>
                   <a:schemeClr val="tx2">
                     <a:lumMod val="60000"/>
@@ -5838,7 +5846,7 @@
       </p:sp>
       <p:grpSp>
         <p:nvGrpSpPr>
-          <p:cNvPr id="78" name="Group 77">
+          <p:cNvPr id="101" name="Group 100">
             <a:extLst>
               <a:ext uri="{FF2B5EF4-FFF2-40B4-BE49-F238E27FC236}">
                 <a16:creationId xmlns:a16="http://schemas.microsoft.com/office/drawing/2014/main" id="{53C7C3B1-A762-4683-8DC0-FDE202C7D0A8}"/>
@@ -5869,7 +5877,7 @@
         </p:grpSpPr>
         <p:cxnSp>
           <p:nvCxnSpPr>
-            <p:cNvPr id="79" name="Straight Connector 78">
+            <p:cNvPr id="102" name="Straight Connector 101">
               <a:extLst>
                 <a:ext uri="{FF2B5EF4-FFF2-40B4-BE49-F238E27FC236}">
                   <a16:creationId xmlns:a16="http://schemas.microsoft.com/office/drawing/2014/main" id="{719ED225-F3C7-4528-920C-245DFBA2EFC9}"/>
@@ -5921,7 +5929,7 @@
         </p:cxnSp>
         <p:cxnSp>
           <p:nvCxnSpPr>
-            <p:cNvPr id="80" name="Straight Connector 79">
+            <p:cNvPr id="103" name="Straight Connector 102">
               <a:extLst>
                 <a:ext uri="{FF2B5EF4-FFF2-40B4-BE49-F238E27FC236}">
                   <a16:creationId xmlns:a16="http://schemas.microsoft.com/office/drawing/2014/main" id="{F4990343-EA5D-4B3B-8816-6084C5BE84E4}"/>
@@ -5973,7 +5981,7 @@
         </p:cxnSp>
         <p:cxnSp>
           <p:nvCxnSpPr>
-            <p:cNvPr id="81" name="Straight Connector 80">
+            <p:cNvPr id="104" name="Straight Connector 103">
               <a:extLst>
                 <a:ext uri="{FF2B5EF4-FFF2-40B4-BE49-F238E27FC236}">
                   <a16:creationId xmlns:a16="http://schemas.microsoft.com/office/drawing/2014/main" id="{D6B7FCFF-F925-4BD3-9747-281D760205C5}"/>
@@ -6025,7 +6033,7 @@
         </p:cxnSp>
         <p:cxnSp>
           <p:nvCxnSpPr>
-            <p:cNvPr id="82" name="Straight Connector 81">
+            <p:cNvPr id="105" name="Straight Connector 104">
               <a:extLst>
                 <a:ext uri="{FF2B5EF4-FFF2-40B4-BE49-F238E27FC236}">
                   <a16:creationId xmlns:a16="http://schemas.microsoft.com/office/drawing/2014/main" id="{7256022A-471C-402E-8FB7-07349DE5D96A}"/>
@@ -6078,10 +6086,10 @@
       </p:grpSp>
       <p:pic>
         <p:nvPicPr>
-          <p:cNvPr id="6" name="Picture 5" descr="A drawing of gears and machinery&#10;&#10;AI-generated content may be incorrect.">
-            <a:extLst>
-              <a:ext uri="{FF2B5EF4-FFF2-40B4-BE49-F238E27FC236}">
-                <a16:creationId xmlns:a16="http://schemas.microsoft.com/office/drawing/2014/main" id="{153977C4-726C-BB58-54E7-386A8BC853A5}"/>
+          <p:cNvPr id="5" name="Picture 4" descr="A screen shot of a game&#10;&#10;AI-generated content may be incorrect.">
+            <a:extLst>
+              <a:ext uri="{FF2B5EF4-FFF2-40B4-BE49-F238E27FC236}">
+                <a16:creationId xmlns:a16="http://schemas.microsoft.com/office/drawing/2014/main" id="{4413D354-F4A2-33B5-3C80-E961FEA4BB34}"/>
               </a:ext>
             </a:extLst>
           </p:cNvPr>
@@ -6098,13 +6106,14 @@
               </a:ext>
             </a:extLst>
           </a:blip>
-          <a:srcRect t="11967" b="10271"/>
-          <a:stretch/>
+          <a:stretch>
+            <a:fillRect/>
+          </a:stretch>
         </p:blipFill>
         <p:spPr>
           <a:xfrm>
-            <a:off x="7575482" y="2343876"/>
-            <a:ext cx="3849624" cy="2170320"/>
+            <a:off x="7575482" y="1489679"/>
+            <a:ext cx="3849624" cy="3878714"/>
           </a:xfrm>
           <a:prstGeom prst="rect">
             <a:avLst/>
@@ -6201,7 +6210,7 @@
       </p:grpSpPr>
       <p:sp>
         <p:nvSpPr>
-          <p:cNvPr id="14" name="Rectangle 13">
+          <p:cNvPr id="39" name="Rectangle 38">
             <a:extLst>
               <a:ext uri="{FF2B5EF4-FFF2-40B4-BE49-F238E27FC236}">
                 <a16:creationId xmlns:a16="http://schemas.microsoft.com/office/drawing/2014/main" id="{2293296F-4C3A-4530-98F5-F83646ACE913}"/>
@@ -6267,7 +6276,7 @@
       </p:sp>
       <p:grpSp>
         <p:nvGrpSpPr>
-          <p:cNvPr id="16" name="Group 15">
+          <p:cNvPr id="41" name="Group 40">
             <a:extLst>
               <a:ext uri="{FF2B5EF4-FFF2-40B4-BE49-F238E27FC236}">
                 <a16:creationId xmlns:a16="http://schemas.microsoft.com/office/drawing/2014/main" id="{3914D2BD-3C47-433D-81FE-DC6C39595F0E}"/>
@@ -6298,7 +6307,7 @@
         </p:grpSpPr>
         <p:cxnSp>
           <p:nvCxnSpPr>
-            <p:cNvPr id="17" name="Straight Connector 16">
+            <p:cNvPr id="42" name="Straight Connector 41">
               <a:extLst>
                 <a:ext uri="{FF2B5EF4-FFF2-40B4-BE49-F238E27FC236}">
                   <a16:creationId xmlns:a16="http://schemas.microsoft.com/office/drawing/2014/main" id="{D3DD55E4-EA4F-4874-8B5B-6E0EAF4BBFC4}"/>
@@ -6350,7 +6359,7 @@
         </p:cxnSp>
         <p:cxnSp>
           <p:nvCxnSpPr>
-            <p:cNvPr id="18" name="Straight Connector 17">
+            <p:cNvPr id="43" name="Straight Connector 42">
               <a:extLst>
                 <a:ext uri="{FF2B5EF4-FFF2-40B4-BE49-F238E27FC236}">
                   <a16:creationId xmlns:a16="http://schemas.microsoft.com/office/drawing/2014/main" id="{32950BAF-7673-4138-AEA2-DE7D368CC357}"/>
@@ -6402,7 +6411,7 @@
         </p:cxnSp>
         <p:cxnSp>
           <p:nvCxnSpPr>
-            <p:cNvPr id="19" name="Straight Connector 18">
+            <p:cNvPr id="44" name="Straight Connector 43">
               <a:extLst>
                 <a:ext uri="{FF2B5EF4-FFF2-40B4-BE49-F238E27FC236}">
                   <a16:creationId xmlns:a16="http://schemas.microsoft.com/office/drawing/2014/main" id="{6BE3E2B5-EA1C-415A-941A-843C7EA148E1}"/>
@@ -6454,7 +6463,7 @@
         </p:cxnSp>
         <p:cxnSp>
           <p:nvCxnSpPr>
-            <p:cNvPr id="20" name="Straight Connector 19">
+            <p:cNvPr id="45" name="Straight Connector 44">
               <a:extLst>
                 <a:ext uri="{FF2B5EF4-FFF2-40B4-BE49-F238E27FC236}">
                   <a16:creationId xmlns:a16="http://schemas.microsoft.com/office/drawing/2014/main" id="{087FA3A6-E398-4576-B6B8-3328028D84B2}"/>
@@ -6506,7 +6515,7 @@
         </p:cxnSp>
         <p:sp>
           <p:nvSpPr>
-            <p:cNvPr id="21" name="Graphic 33">
+            <p:cNvPr id="46" name="Graphic 33">
               <a:extLst>
                 <a:ext uri="{FF2B5EF4-FFF2-40B4-BE49-F238E27FC236}">
                   <a16:creationId xmlns:a16="http://schemas.microsoft.com/office/drawing/2014/main" id="{EFB597D7-65E0-476A-B9EB-3AA6ED33884C}"/>
@@ -6590,7 +6599,7 @@
         </p:sp>
         <p:sp>
           <p:nvSpPr>
-            <p:cNvPr id="22" name="Graphic 33">
+            <p:cNvPr id="47" name="Graphic 33">
               <a:extLst>
                 <a:ext uri="{FF2B5EF4-FFF2-40B4-BE49-F238E27FC236}">
                   <a16:creationId xmlns:a16="http://schemas.microsoft.com/office/drawing/2014/main" id="{11AA060A-BE0E-4687-8F9E-0E2955D9796D}"/>
@@ -6675,7 +6684,7 @@
       </p:grpSp>
       <p:sp useBgFill="1">
         <p:nvSpPr>
-          <p:cNvPr id="24" name="Rectangle 23">
+          <p:cNvPr id="49" name="Rectangle 48">
             <a:extLst>
               <a:ext uri="{FF2B5EF4-FFF2-40B4-BE49-F238E27FC236}">
                 <a16:creationId xmlns:a16="http://schemas.microsoft.com/office/drawing/2014/main" id="{AE6FDE22-1F54-452D-A9BA-1BE9FDB53450}"/>
@@ -6735,7 +6744,7 @@
       </p:sp>
       <p:sp>
         <p:nvSpPr>
-          <p:cNvPr id="26" name="Rectangle 25">
+          <p:cNvPr id="51" name="Rectangle 50">
             <a:extLst>
               <a:ext uri="{FF2B5EF4-FFF2-40B4-BE49-F238E27FC236}">
                 <a16:creationId xmlns:a16="http://schemas.microsoft.com/office/drawing/2014/main" id="{F06127CE-6F15-49AE-9751-398F3AC67163}"/>
@@ -6814,7 +6823,7 @@
         <p:spPr>
           <a:xfrm>
             <a:off x="838199" y="581266"/>
-            <a:ext cx="6390601" cy="917714"/>
+            <a:ext cx="6586342" cy="580479"/>
           </a:xfrm>
           <a:prstGeom prst="rect">
             <a:avLst/>
@@ -6822,11 +6831,11 @@
         </p:spPr>
         <p:txBody>
           <a:bodyPr vert="horz" lIns="91440" tIns="45720" rIns="91440" bIns="45720" rtlCol="0" anchor="b">
-            <a:normAutofit/>
+            <a:noAutofit/>
           </a:bodyPr>
           <a:lstStyle/>
           <a:p>
-            <a:pPr algn="ctr">
+            <a:pPr>
               <a:spcBef>
                 <a:spcPct val="0"/>
               </a:spcBef>
@@ -6842,9 +6851,9 @@
                     <a:lumOff val="40000"/>
                   </a:schemeClr>
                 </a:solidFill>
-                <a:latin typeface="Times New Roman" panose="02020603050405020304" pitchFamily="18" charset="0"/>
+                <a:latin typeface="+mj-lt"/>
                 <a:ea typeface="+mj-ea"/>
-                <a:cs typeface="Times New Roman" panose="02020603050405020304" pitchFamily="18" charset="0"/>
+                <a:cs typeface="+mj-cs"/>
               </a:rPr>
               <a:t>Tools &amp; Technologies Used</a:t>
             </a:r>
@@ -6865,8 +6874,8 @@
         </p:nvSpPr>
         <p:spPr>
           <a:xfrm>
-            <a:off x="846276" y="1789963"/>
-            <a:ext cx="5958821" cy="3043238"/>
+            <a:off x="838199" y="1368000"/>
+            <a:ext cx="5958821" cy="4891265"/>
           </a:xfrm>
           <a:prstGeom prst="rect">
             <a:avLst/>
@@ -6886,7 +6895,7 @@
               <a:buChar char="•"/>
             </a:pPr>
             <a:r>
-              <a:rPr lang="en-US" sz="2000" dirty="0">
+              <a:rPr lang="en-US" sz="2400" dirty="0">
                 <a:solidFill>
                   <a:schemeClr val="tx2">
                     <a:lumMod val="60000"/>
@@ -6907,7 +6916,7 @@
               <a:buFont typeface="Arial" panose="020B0604020202020204" pitchFamily="34" charset="0"/>
               <a:buChar char="•"/>
             </a:pPr>
-            <a:endParaRPr lang="en-US" sz="2000" dirty="0">
+            <a:endParaRPr lang="en-US" sz="2400" dirty="0">
               <a:solidFill>
                 <a:schemeClr val="tx2">
                   <a:lumMod val="60000"/>
@@ -6927,7 +6936,7 @@
               <a:buChar char="•"/>
             </a:pPr>
             <a:r>
-              <a:rPr lang="en-US" sz="2000" dirty="0">
+              <a:rPr lang="en-US" sz="2400" dirty="0">
                 <a:solidFill>
                   <a:schemeClr val="tx2">
                     <a:lumMod val="60000"/>
@@ -6948,7 +6957,7 @@
               <a:buFont typeface="Arial" panose="020B0604020202020204" pitchFamily="34" charset="0"/>
               <a:buChar char="•"/>
             </a:pPr>
-            <a:endParaRPr lang="en-US" sz="2000" dirty="0">
+            <a:endParaRPr lang="en-US" sz="2400" dirty="0">
               <a:solidFill>
                 <a:schemeClr val="tx2">
                   <a:lumMod val="60000"/>
@@ -6968,7 +6977,7 @@
               <a:buChar char="•"/>
             </a:pPr>
             <a:r>
-              <a:rPr lang="en-US" sz="2000" dirty="0">
+              <a:rPr lang="en-US" sz="2400" dirty="0">
                 <a:solidFill>
                   <a:schemeClr val="tx2">
                     <a:lumMod val="60000"/>
@@ -6989,7 +6998,7 @@
               <a:buFont typeface="Arial" panose="020B0604020202020204" pitchFamily="34" charset="0"/>
               <a:buChar char="•"/>
             </a:pPr>
-            <a:endParaRPr lang="en-US" sz="2000" dirty="0">
+            <a:endParaRPr lang="en-US" sz="2400" dirty="0">
               <a:solidFill>
                 <a:schemeClr val="tx2">
                   <a:lumMod val="60000"/>
@@ -7009,7 +7018,7 @@
               <a:buChar char="•"/>
             </a:pPr>
             <a:r>
-              <a:rPr lang="en-US" sz="2000" dirty="0">
+              <a:rPr lang="en-US" sz="2400" dirty="0">
                 <a:solidFill>
                   <a:schemeClr val="tx2">
                     <a:lumMod val="60000"/>
@@ -7030,7 +7039,7 @@
               <a:buFont typeface="Arial" panose="020B0604020202020204" pitchFamily="34" charset="0"/>
               <a:buChar char="•"/>
             </a:pPr>
-            <a:endParaRPr lang="en-US" sz="2000" dirty="0">
+            <a:endParaRPr lang="en-US" sz="2400" dirty="0">
               <a:solidFill>
                 <a:schemeClr val="tx2">
                   <a:lumMod val="60000"/>
@@ -7050,7 +7059,7 @@
               <a:buChar char="•"/>
             </a:pPr>
             <a:r>
-              <a:rPr lang="en-US" sz="2000" dirty="0">
+              <a:rPr lang="en-US" sz="2400" dirty="0">
                 <a:solidFill>
                   <a:schemeClr val="tx2">
                     <a:lumMod val="60000"/>
@@ -7064,12 +7073,14 @@
             </a:r>
           </a:p>
           <a:p>
-            <a:pPr marL="57150">
+            <a:pPr marL="57150" indent="-228600">
               <a:spcAft>
                 <a:spcPts val="600"/>
               </a:spcAft>
+              <a:buFont typeface="Arial" panose="020B0604020202020204" pitchFamily="34" charset="0"/>
+              <a:buChar char="•"/>
             </a:pPr>
-            <a:endParaRPr lang="en-US" sz="2000" dirty="0">
+            <a:endParaRPr lang="en-US" sz="2400" dirty="0">
               <a:solidFill>
                 <a:schemeClr val="tx2">
                   <a:lumMod val="60000"/>
@@ -7089,7 +7100,7 @@
               <a:buChar char="•"/>
             </a:pPr>
             <a:r>
-              <a:rPr lang="en-US" sz="2000" dirty="0">
+              <a:rPr lang="en-US" sz="2400" dirty="0">
                 <a:solidFill>
                   <a:schemeClr val="tx2">
                     <a:lumMod val="60000"/>
@@ -7104,356 +7115,12 @@
           </a:p>
         </p:txBody>
       </p:sp>
-      <p:grpSp>
-        <p:nvGrpSpPr>
-          <p:cNvPr id="28" name="Group 27">
-            <a:extLst>
-              <a:ext uri="{FF2B5EF4-FFF2-40B4-BE49-F238E27FC236}">
-                <a16:creationId xmlns:a16="http://schemas.microsoft.com/office/drawing/2014/main" id="{4851158D-092F-4743-B650-CEA7406836A5}"/>
-              </a:ext>
-              <a:ext uri="{C183D7F6-B498-43B3-948B-1728B52AA6E4}">
-                <adec:decorative xmlns:adec="http://schemas.microsoft.com/office/drawing/2017/decorative" val="1"/>
-              </a:ext>
-            </a:extLst>
-          </p:cNvPr>
-          <p:cNvGrpSpPr>
-            <a:grpSpLocks noGrp="1" noUngrp="1" noRot="1" noChangeAspect="1" noMove="1" noResize="1"/>
-          </p:cNvGrpSpPr>
-          <p:nvPr>
-            <p:extLst>
-              <p:ext uri="{386F3935-93C4-4BCD-93E2-E3B085C9AB24}">
-                <p16:designElem xmlns:p16="http://schemas.microsoft.com/office/powerpoint/2015/main" val="1"/>
-              </p:ext>
-            </p:extLst>
-          </p:nvPr>
-        </p:nvGrpSpPr>
-        <p:grpSpPr>
-          <a:xfrm>
-            <a:off x="7433816" y="-6437"/>
-            <a:ext cx="4133500" cy="6864437"/>
-            <a:chOff x="7433816" y="-6437"/>
-            <a:chExt cx="4133500" cy="6864437"/>
-          </a:xfrm>
-        </p:grpSpPr>
-        <p:cxnSp>
-          <p:nvCxnSpPr>
-            <p:cNvPr id="29" name="Straight Connector 28">
-              <a:extLst>
-                <a:ext uri="{FF2B5EF4-FFF2-40B4-BE49-F238E27FC236}">
-                  <a16:creationId xmlns:a16="http://schemas.microsoft.com/office/drawing/2014/main" id="{C6B9D11C-2518-44CF-8A69-1E828609C0E2}"/>
-                </a:ext>
-                <a:ext uri="{C183D7F6-B498-43B3-948B-1728B52AA6E4}">
-                  <adec:decorative xmlns:adec="http://schemas.microsoft.com/office/drawing/2017/decorative" val="1"/>
-                </a:ext>
-              </a:extLst>
-            </p:cNvPr>
-            <p:cNvCxnSpPr>
-              <a:cxnSpLocks/>
-            </p:cNvCxnSpPr>
-            <p:nvPr>
-              <p:extLst>
-                <p:ext uri="{386F3935-93C4-4BCD-93E2-E3B085C9AB24}">
-                  <p16:designElem xmlns:p16="http://schemas.microsoft.com/office/powerpoint/2015/main" val="1"/>
-                </p:ext>
-              </p:extLst>
-            </p:nvPr>
-          </p:nvCxnSpPr>
-          <p:spPr>
-            <a:xfrm>
-              <a:off x="7433816" y="0"/>
-              <a:ext cx="5783" cy="6858000"/>
-            </a:xfrm>
-            <a:prstGeom prst="line">
-              <a:avLst/>
-            </a:prstGeom>
-            <a:ln w="12700">
-              <a:solidFill>
-                <a:schemeClr val="accent4"/>
-              </a:solidFill>
-            </a:ln>
-          </p:spPr>
-          <p:style>
-            <a:lnRef idx="1">
-              <a:schemeClr val="accent1"/>
-            </a:lnRef>
-            <a:fillRef idx="0">
-              <a:schemeClr val="accent1"/>
-            </a:fillRef>
-            <a:effectRef idx="0">
-              <a:schemeClr val="accent1"/>
-            </a:effectRef>
-            <a:fontRef idx="minor">
-              <a:schemeClr val="tx1"/>
-            </a:fontRef>
-          </p:style>
-        </p:cxnSp>
-        <p:cxnSp>
-          <p:nvCxnSpPr>
-            <p:cNvPr id="30" name="Straight Connector 29">
-              <a:extLst>
-                <a:ext uri="{FF2B5EF4-FFF2-40B4-BE49-F238E27FC236}">
-                  <a16:creationId xmlns:a16="http://schemas.microsoft.com/office/drawing/2014/main" id="{CE619A1A-45F3-471A-B994-01D4C17119E5}"/>
-                </a:ext>
-                <a:ext uri="{C183D7F6-B498-43B3-948B-1728B52AA6E4}">
-                  <adec:decorative xmlns:adec="http://schemas.microsoft.com/office/drawing/2017/decorative" val="1"/>
-                </a:ext>
-              </a:extLst>
-            </p:cNvPr>
-            <p:cNvCxnSpPr>
-              <a:cxnSpLocks/>
-            </p:cNvCxnSpPr>
-            <p:nvPr>
-              <p:extLst>
-                <p:ext uri="{386F3935-93C4-4BCD-93E2-E3B085C9AB24}">
-                  <p16:designElem xmlns:p16="http://schemas.microsoft.com/office/powerpoint/2015/main" val="1"/>
-                </p:ext>
-              </p:extLst>
-            </p:nvPr>
-          </p:nvCxnSpPr>
-          <p:spPr>
-            <a:xfrm>
-              <a:off x="7434228" y="3389697"/>
-              <a:ext cx="4133088" cy="0"/>
-            </a:xfrm>
-            <a:prstGeom prst="line">
-              <a:avLst/>
-            </a:prstGeom>
-            <a:ln w="12700">
-              <a:solidFill>
-                <a:schemeClr val="accent4"/>
-              </a:solidFill>
-            </a:ln>
-          </p:spPr>
-          <p:style>
-            <a:lnRef idx="1">
-              <a:schemeClr val="accent1"/>
-            </a:lnRef>
-            <a:fillRef idx="0">
-              <a:schemeClr val="accent1"/>
-            </a:fillRef>
-            <a:effectRef idx="0">
-              <a:schemeClr val="accent1"/>
-            </a:effectRef>
-            <a:fontRef idx="minor">
-              <a:schemeClr val="tx1"/>
-            </a:fontRef>
-          </p:style>
-        </p:cxnSp>
-        <p:cxnSp>
-          <p:nvCxnSpPr>
-            <p:cNvPr id="31" name="Straight Connector 30">
-              <a:extLst>
-                <a:ext uri="{FF2B5EF4-FFF2-40B4-BE49-F238E27FC236}">
-                  <a16:creationId xmlns:a16="http://schemas.microsoft.com/office/drawing/2014/main" id="{C9C3BA8B-5395-4AC9-9260-77FA635DD29E}"/>
-                </a:ext>
-                <a:ext uri="{C183D7F6-B498-43B3-948B-1728B52AA6E4}">
-                  <adec:decorative xmlns:adec="http://schemas.microsoft.com/office/drawing/2017/decorative" val="1"/>
-                </a:ext>
-              </a:extLst>
-            </p:cNvPr>
-            <p:cNvCxnSpPr>
-              <a:cxnSpLocks/>
-            </p:cNvCxnSpPr>
-            <p:nvPr>
-              <p:extLst>
-                <p:ext uri="{386F3935-93C4-4BCD-93E2-E3B085C9AB24}">
-                  <p16:designElem xmlns:p16="http://schemas.microsoft.com/office/powerpoint/2015/main" val="1"/>
-                </p:ext>
-              </p:extLst>
-            </p:nvPr>
-          </p:nvCxnSpPr>
-          <p:spPr>
-            <a:xfrm>
-              <a:off x="9496291" y="581265"/>
-              <a:ext cx="0" cy="5695469"/>
-            </a:xfrm>
-            <a:prstGeom prst="line">
-              <a:avLst/>
-            </a:prstGeom>
-            <a:ln w="12700">
-              <a:solidFill>
-                <a:schemeClr val="accent4"/>
-              </a:solidFill>
-            </a:ln>
-          </p:spPr>
-          <p:style>
-            <a:lnRef idx="1">
-              <a:schemeClr val="accent1"/>
-            </a:lnRef>
-            <a:fillRef idx="0">
-              <a:schemeClr val="accent1"/>
-            </a:fillRef>
-            <a:effectRef idx="0">
-              <a:schemeClr val="accent1"/>
-            </a:effectRef>
-            <a:fontRef idx="minor">
-              <a:schemeClr val="tx1"/>
-            </a:fontRef>
-          </p:style>
-        </p:cxnSp>
-        <p:cxnSp>
-          <p:nvCxnSpPr>
-            <p:cNvPr id="32" name="Straight Connector 31">
-              <a:extLst>
-                <a:ext uri="{FF2B5EF4-FFF2-40B4-BE49-F238E27FC236}">
-                  <a16:creationId xmlns:a16="http://schemas.microsoft.com/office/drawing/2014/main" id="{E792DD13-D4B2-4CD6-B122-00B395050D88}"/>
-                </a:ext>
-                <a:ext uri="{C183D7F6-B498-43B3-948B-1728B52AA6E4}">
-                  <adec:decorative xmlns:adec="http://schemas.microsoft.com/office/drawing/2017/decorative" val="1"/>
-                </a:ext>
-              </a:extLst>
-            </p:cNvPr>
-            <p:cNvCxnSpPr>
-              <a:cxnSpLocks/>
-            </p:cNvCxnSpPr>
-            <p:nvPr>
-              <p:extLst>
-                <p:ext uri="{386F3935-93C4-4BCD-93E2-E3B085C9AB24}">
-                  <p16:designElem xmlns:p16="http://schemas.microsoft.com/office/powerpoint/2015/main" val="1"/>
-                </p:ext>
-              </p:extLst>
-            </p:nvPr>
-          </p:nvCxnSpPr>
-          <p:spPr>
-            <a:xfrm>
-              <a:off x="11560990" y="-6437"/>
-              <a:ext cx="5783" cy="6858000"/>
-            </a:xfrm>
-            <a:prstGeom prst="line">
-              <a:avLst/>
-            </a:prstGeom>
-            <a:ln w="12700">
-              <a:solidFill>
-                <a:schemeClr val="accent4"/>
-              </a:solidFill>
-            </a:ln>
-          </p:spPr>
-          <p:style>
-            <a:lnRef idx="1">
-              <a:schemeClr val="accent1"/>
-            </a:lnRef>
-            <a:fillRef idx="0">
-              <a:schemeClr val="accent1"/>
-            </a:fillRef>
-            <a:effectRef idx="0">
-              <a:schemeClr val="accent1"/>
-            </a:effectRef>
-            <a:fontRef idx="minor">
-              <a:schemeClr val="tx1"/>
-            </a:fontRef>
-          </p:style>
-        </p:cxnSp>
-        <p:cxnSp>
-          <p:nvCxnSpPr>
-            <p:cNvPr id="33" name="Straight Connector 32">
-              <a:extLst>
-                <a:ext uri="{FF2B5EF4-FFF2-40B4-BE49-F238E27FC236}">
-                  <a16:creationId xmlns:a16="http://schemas.microsoft.com/office/drawing/2014/main" id="{8F0533CF-C3C4-4008-A2FA-AD8CCC124B9E}"/>
-                </a:ext>
-                <a:ext uri="{C183D7F6-B498-43B3-948B-1728B52AA6E4}">
-                  <adec:decorative xmlns:adec="http://schemas.microsoft.com/office/drawing/2017/decorative" val="1"/>
-                </a:ext>
-              </a:extLst>
-            </p:cNvPr>
-            <p:cNvCxnSpPr>
-              <a:cxnSpLocks/>
-            </p:cNvCxnSpPr>
-            <p:nvPr>
-              <p:extLst>
-                <p:ext uri="{386F3935-93C4-4BCD-93E2-E3B085C9AB24}">
-                  <p16:designElem xmlns:p16="http://schemas.microsoft.com/office/powerpoint/2015/main" val="1"/>
-                </p:ext>
-              </p:extLst>
-            </p:nvPr>
-          </p:nvCxnSpPr>
-          <p:spPr>
-            <a:xfrm>
-              <a:off x="7434228" y="581337"/>
-              <a:ext cx="4133088" cy="0"/>
-            </a:xfrm>
-            <a:prstGeom prst="line">
-              <a:avLst/>
-            </a:prstGeom>
-            <a:ln w="12700">
-              <a:solidFill>
-                <a:schemeClr val="accent4"/>
-              </a:solidFill>
-            </a:ln>
-          </p:spPr>
-          <p:style>
-            <a:lnRef idx="1">
-              <a:schemeClr val="accent1"/>
-            </a:lnRef>
-            <a:fillRef idx="0">
-              <a:schemeClr val="accent1"/>
-            </a:fillRef>
-            <a:effectRef idx="0">
-              <a:schemeClr val="accent1"/>
-            </a:effectRef>
-            <a:fontRef idx="minor">
-              <a:schemeClr val="tx1"/>
-            </a:fontRef>
-          </p:style>
-        </p:cxnSp>
-        <p:cxnSp>
-          <p:nvCxnSpPr>
-            <p:cNvPr id="34" name="Straight Connector 33">
-              <a:extLst>
-                <a:ext uri="{FF2B5EF4-FFF2-40B4-BE49-F238E27FC236}">
-                  <a16:creationId xmlns:a16="http://schemas.microsoft.com/office/drawing/2014/main" id="{5BA42A7E-1260-4742-933A-EB0A4B3CA61B}"/>
-                </a:ext>
-                <a:ext uri="{C183D7F6-B498-43B3-948B-1728B52AA6E4}">
-                  <adec:decorative xmlns:adec="http://schemas.microsoft.com/office/drawing/2017/decorative" val="1"/>
-                </a:ext>
-              </a:extLst>
-            </p:cNvPr>
-            <p:cNvCxnSpPr>
-              <a:cxnSpLocks/>
-            </p:cNvCxnSpPr>
-            <p:nvPr>
-              <p:extLst>
-                <p:ext uri="{386F3935-93C4-4BCD-93E2-E3B085C9AB24}">
-                  <p16:designElem xmlns:p16="http://schemas.microsoft.com/office/powerpoint/2015/main" val="1"/>
-                </p:ext>
-              </p:extLst>
-            </p:nvPr>
-          </p:nvCxnSpPr>
-          <p:spPr>
-            <a:xfrm>
-              <a:off x="7434228" y="6276734"/>
-              <a:ext cx="4133088" cy="0"/>
-            </a:xfrm>
-            <a:prstGeom prst="line">
-              <a:avLst/>
-            </a:prstGeom>
-            <a:ln w="12700">
-              <a:solidFill>
-                <a:schemeClr val="accent4"/>
-              </a:solidFill>
-            </a:ln>
-          </p:spPr>
-          <p:style>
-            <a:lnRef idx="1">
-              <a:schemeClr val="accent1"/>
-            </a:lnRef>
-            <a:fillRef idx="0">
-              <a:schemeClr val="accent1"/>
-            </a:fillRef>
-            <a:effectRef idx="0">
-              <a:schemeClr val="accent1"/>
-            </a:effectRef>
-            <a:fontRef idx="minor">
-              <a:schemeClr val="tx1"/>
-            </a:fontRef>
-          </p:style>
-        </p:cxnSp>
-      </p:grpSp>
       <p:pic>
         <p:nvPicPr>
-          <p:cNvPr id="8" name="Picture 7" descr="A black background with many icons&#10;&#10;AI-generated content may be incorrect.">
-            <a:extLst>
-              <a:ext uri="{FF2B5EF4-FFF2-40B4-BE49-F238E27FC236}">
-                <a16:creationId xmlns:a16="http://schemas.microsoft.com/office/drawing/2014/main" id="{D4A1DCC9-B006-DCBF-1F74-FC78C2FA5AC1}"/>
+          <p:cNvPr id="5" name="Picture 4" descr="A group of pixelated icons&#10;&#10;AI-generated content may be incorrect.">
+            <a:extLst>
+              <a:ext uri="{FF2B5EF4-FFF2-40B4-BE49-F238E27FC236}">
+                <a16:creationId xmlns:a16="http://schemas.microsoft.com/office/drawing/2014/main" id="{C393F9CD-C2D3-A88E-F98F-B4D51D03C916}"/>
               </a:ext>
             </a:extLst>
           </p:cNvPr>
@@ -7463,20 +7130,14 @@
           <p:nvPr/>
         </p:nvPicPr>
         <p:blipFill>
-          <a:blip r:embed="rId2">
-            <a:extLst>
-              <a:ext uri="{28A0092B-C50C-407E-A947-70E740481C1C}">
-                <a14:useLocalDpi xmlns:a14="http://schemas.microsoft.com/office/drawing/2010/main" val="0"/>
-              </a:ext>
-            </a:extLst>
-          </a:blip>
-          <a:srcRect t="21089" r="1" b="8913"/>
+          <a:blip r:embed="rId2"/>
+          <a:srcRect l="17505" r="24279" b="-1"/>
           <a:stretch/>
         </p:blipFill>
         <p:spPr>
           <a:xfrm>
-            <a:off x="8162224" y="1156237"/>
-            <a:ext cx="2668133" cy="4583222"/>
+            <a:off x="7849998" y="589628"/>
+            <a:ext cx="3300593" cy="5669639"/>
           </a:xfrm>
           <a:custGeom>
             <a:avLst/>
@@ -7525,1048 +7186,19 @@
               </a:path>
             </a:pathLst>
           </a:custGeom>
+          <a:ln w="12700">
+            <a:solidFill>
+              <a:schemeClr val="accent4"/>
+            </a:solidFill>
+          </a:ln>
         </p:spPr>
       </p:pic>
-      <p:sp>
-        <p:nvSpPr>
-          <p:cNvPr id="3" name="TextBox 2">
-            <a:extLst>
-              <a:ext uri="{FF2B5EF4-FFF2-40B4-BE49-F238E27FC236}">
-                <a16:creationId xmlns:a16="http://schemas.microsoft.com/office/drawing/2014/main" id="{173BB9DF-248A-7136-70FD-281F2DABCB03}"/>
-              </a:ext>
-            </a:extLst>
-          </p:cNvPr>
-          <p:cNvSpPr txBox="1"/>
-          <p:nvPr/>
-        </p:nvSpPr>
-        <p:spPr>
-          <a:xfrm>
-            <a:off x="1139698" y="2073836"/>
-            <a:ext cx="5386294" cy="1755214"/>
-          </a:xfrm>
-          <a:prstGeom prst="rect">
-            <a:avLst/>
-          </a:prstGeom>
-        </p:spPr>
-        <p:txBody>
-          <a:bodyPr vert="horz" lIns="91440" tIns="45720" rIns="91440" bIns="45720" rtlCol="0">
-            <a:noAutofit/>
-          </a:bodyPr>
-          <a:lstStyle/>
-          <a:p>
-            <a:pPr marL="628650" indent="-285750">
-              <a:spcAft>
-                <a:spcPts val="600"/>
-              </a:spcAft>
-              <a:buFont typeface="Arial" panose="020B0604020202020204" pitchFamily="34" charset="0"/>
-              <a:buChar char="•"/>
-            </a:pPr>
-            <a:endParaRPr lang="en-US" sz="1400" dirty="0">
-              <a:solidFill>
-                <a:srgbClr val="FFFFFF"/>
-              </a:solidFill>
-              <a:latin typeface="Times New Roman" panose="02020603050405020304" pitchFamily="18" charset="0"/>
-              <a:cs typeface="Times New Roman" panose="02020603050405020304" pitchFamily="18" charset="0"/>
-            </a:endParaRPr>
-          </a:p>
-        </p:txBody>
-      </p:sp>
-    </p:spTree>
-    <p:extLst>
-      <p:ext uri="{BB962C8B-B14F-4D97-AF65-F5344CB8AC3E}">
-        <p14:creationId xmlns:p14="http://schemas.microsoft.com/office/powerpoint/2010/main" val="3312863279"/>
-      </p:ext>
-    </p:extLst>
-  </p:cSld>
-  <p:clrMapOvr>
-    <a:masterClrMapping/>
-  </p:clrMapOvr>
-</p:sld>
-</file>
-
-<file path=ppt/slides/slide5.xml><?xml version="1.0" encoding="utf-8"?>
-<p:sld xmlns:a="http://schemas.openxmlformats.org/drawingml/2006/main" xmlns:r="http://schemas.openxmlformats.org/officeDocument/2006/relationships" xmlns:p="http://schemas.openxmlformats.org/presentationml/2006/main">
-  <p:cSld>
-    <p:bg>
-      <p:bgPr>
-        <a:solidFill>
-          <a:schemeClr val="bg1"/>
-        </a:solidFill>
-        <a:effectLst/>
-      </p:bgPr>
-    </p:bg>
-    <p:spTree>
-      <p:nvGrpSpPr>
-        <p:cNvPr id="1" name="">
-          <a:extLst>
-            <a:ext uri="{FF2B5EF4-FFF2-40B4-BE49-F238E27FC236}">
-              <a16:creationId xmlns:a16="http://schemas.microsoft.com/office/drawing/2014/main" id="{7ED444DB-D5CB-9CDF-4849-099772884170}"/>
-            </a:ext>
-          </a:extLst>
-        </p:cNvPr>
-        <p:cNvGrpSpPr/>
-        <p:nvPr/>
-      </p:nvGrpSpPr>
-      <p:grpSpPr>
-        <a:xfrm>
-          <a:off x="0" y="0"/>
-          <a:ext cx="0" cy="0"/>
-          <a:chOff x="0" y="0"/>
-          <a:chExt cx="0" cy="0"/>
-        </a:xfrm>
-      </p:grpSpPr>
-      <p:sp>
-        <p:nvSpPr>
-          <p:cNvPr id="14" name="Rectangle 13">
-            <a:extLst>
-              <a:ext uri="{FF2B5EF4-FFF2-40B4-BE49-F238E27FC236}">
-                <a16:creationId xmlns:a16="http://schemas.microsoft.com/office/drawing/2014/main" id="{2293296F-4C3A-4530-98F5-F83646ACE913}"/>
-              </a:ext>
-              <a:ext uri="{C183D7F6-B498-43B3-948B-1728B52AA6E4}">
-                <adec:decorative xmlns:adec="http://schemas.microsoft.com/office/drawing/2017/decorative" val="1"/>
-              </a:ext>
-            </a:extLst>
-          </p:cNvPr>
-          <p:cNvSpPr>
-            <a:spLocks noGrp="1" noRot="1" noChangeAspect="1" noMove="1" noResize="1" noEditPoints="1" noAdjustHandles="1" noChangeArrowheads="1" noChangeShapeType="1" noTextEdit="1"/>
-          </p:cNvSpPr>
-          <p:nvPr>
-            <p:extLst>
-              <p:ext uri="{386F3935-93C4-4BCD-93E2-E3B085C9AB24}">
-                <p16:designElem xmlns:p16="http://schemas.microsoft.com/office/powerpoint/2015/main" val="1"/>
-              </p:ext>
-            </p:extLst>
-          </p:nvPr>
-        </p:nvSpPr>
-        <p:spPr>
-          <a:xfrm>
-            <a:off x="2189" y="0"/>
-            <a:ext cx="12192000" cy="6857997"/>
-          </a:xfrm>
-          <a:prstGeom prst="rect">
-            <a:avLst/>
-          </a:prstGeom>
-          <a:solidFill>
-            <a:schemeClr val="bg2">
-              <a:lumMod val="60000"/>
-              <a:lumOff val="40000"/>
-            </a:schemeClr>
-          </a:solidFill>
-          <a:ln>
-            <a:noFill/>
-          </a:ln>
-        </p:spPr>
-        <p:style>
-          <a:lnRef idx="2">
-            <a:schemeClr val="accent1">
-              <a:shade val="50000"/>
-            </a:schemeClr>
-          </a:lnRef>
-          <a:fillRef idx="1">
-            <a:schemeClr val="accent1"/>
-          </a:fillRef>
-          <a:effectRef idx="0">
-            <a:schemeClr val="accent1"/>
-          </a:effectRef>
-          <a:fontRef idx="minor">
-            <a:schemeClr val="lt1"/>
-          </a:fontRef>
-        </p:style>
-        <p:txBody>
-          <a:bodyPr rtlCol="0" anchor="ctr"/>
-          <a:lstStyle/>
-          <a:p>
-            <a:pPr algn="ctr"/>
-            <a:endParaRPr lang="en-US" dirty="0"/>
-          </a:p>
-        </p:txBody>
-      </p:sp>
       <p:grpSp>
         <p:nvGrpSpPr>
-          <p:cNvPr id="16" name="Group 15">
-            <a:extLst>
-              <a:ext uri="{FF2B5EF4-FFF2-40B4-BE49-F238E27FC236}">
-                <a16:creationId xmlns:a16="http://schemas.microsoft.com/office/drawing/2014/main" id="{3914D2BD-3C47-433D-81FE-DC6C39595F0E}"/>
-              </a:ext>
-              <a:ext uri="{C183D7F6-B498-43B3-948B-1728B52AA6E4}">
-                <adec:decorative xmlns:adec="http://schemas.microsoft.com/office/drawing/2017/decorative" val="1"/>
-              </a:ext>
-            </a:extLst>
-          </p:cNvPr>
-          <p:cNvGrpSpPr>
-            <a:grpSpLocks noGrp="1" noUngrp="1" noRot="1" noChangeAspect="1" noMove="1" noResize="1"/>
-          </p:cNvGrpSpPr>
-          <p:nvPr>
-            <p:extLst>
-              <p:ext uri="{386F3935-93C4-4BCD-93E2-E3B085C9AB24}">
-                <p16:designElem xmlns:p16="http://schemas.microsoft.com/office/powerpoint/2015/main" val="1"/>
-              </p:ext>
-            </p:extLst>
-          </p:nvPr>
-        </p:nvGrpSpPr>
-        <p:grpSpPr>
-          <a:xfrm>
-            <a:off x="572" y="-1"/>
-            <a:ext cx="12192000" cy="6857996"/>
-            <a:chOff x="572" y="-1"/>
-            <a:chExt cx="12192000" cy="6857996"/>
-          </a:xfrm>
-        </p:grpSpPr>
-        <p:cxnSp>
-          <p:nvCxnSpPr>
-            <p:cNvPr id="17" name="Straight Connector 16">
-              <a:extLst>
-                <a:ext uri="{FF2B5EF4-FFF2-40B4-BE49-F238E27FC236}">
-                  <a16:creationId xmlns:a16="http://schemas.microsoft.com/office/drawing/2014/main" id="{D3DD55E4-EA4F-4874-8B5B-6E0EAF4BBFC4}"/>
-                </a:ext>
-                <a:ext uri="{C183D7F6-B498-43B3-948B-1728B52AA6E4}">
-                  <adec:decorative xmlns:adec="http://schemas.microsoft.com/office/drawing/2017/decorative" val="1"/>
-                </a:ext>
-              </a:extLst>
-            </p:cNvPr>
-            <p:cNvCxnSpPr>
-              <a:cxnSpLocks/>
-            </p:cNvCxnSpPr>
-            <p:nvPr>
-              <p:extLst>
-                <p:ext uri="{386F3935-93C4-4BCD-93E2-E3B085C9AB24}">
-                  <p16:designElem xmlns:p16="http://schemas.microsoft.com/office/powerpoint/2015/main" val="1"/>
-                </p:ext>
-              </p:extLst>
-            </p:nvPr>
-          </p:nvCxnSpPr>
-          <p:spPr>
-            <a:xfrm>
-              <a:off x="1667" y="6276706"/>
-              <a:ext cx="12189811" cy="0"/>
-            </a:xfrm>
-            <a:prstGeom prst="line">
-              <a:avLst/>
-            </a:prstGeom>
-            <a:ln w="12700">
-              <a:solidFill>
-                <a:schemeClr val="accent4"/>
-              </a:solidFill>
-            </a:ln>
-          </p:spPr>
-          <p:style>
-            <a:lnRef idx="1">
-              <a:schemeClr val="accent1"/>
-            </a:lnRef>
-            <a:fillRef idx="0">
-              <a:schemeClr val="accent1"/>
-            </a:fillRef>
-            <a:effectRef idx="0">
-              <a:schemeClr val="accent1"/>
-            </a:effectRef>
-            <a:fontRef idx="minor">
-              <a:schemeClr val="tx1"/>
-            </a:fontRef>
-          </p:style>
-        </p:cxnSp>
-        <p:cxnSp>
-          <p:nvCxnSpPr>
-            <p:cNvPr id="18" name="Straight Connector 17">
-              <a:extLst>
-                <a:ext uri="{FF2B5EF4-FFF2-40B4-BE49-F238E27FC236}">
-                  <a16:creationId xmlns:a16="http://schemas.microsoft.com/office/drawing/2014/main" id="{32950BAF-7673-4138-AEA2-DE7D368CC357}"/>
-                </a:ext>
-                <a:ext uri="{C183D7F6-B498-43B3-948B-1728B52AA6E4}">
-                  <adec:decorative xmlns:adec="http://schemas.microsoft.com/office/drawing/2017/decorative" val="1"/>
-                </a:ext>
-              </a:extLst>
-            </p:cNvPr>
-            <p:cNvCxnSpPr>
-              <a:cxnSpLocks/>
-            </p:cNvCxnSpPr>
-            <p:nvPr>
-              <p:extLst>
-                <p:ext uri="{386F3935-93C4-4BCD-93E2-E3B085C9AB24}">
-                  <p16:designElem xmlns:p16="http://schemas.microsoft.com/office/powerpoint/2015/main" val="1"/>
-                </p:ext>
-              </p:extLst>
-            </p:nvPr>
-          </p:nvCxnSpPr>
-          <p:spPr>
-            <a:xfrm>
-              <a:off x="572" y="580876"/>
-              <a:ext cx="12192000" cy="0"/>
-            </a:xfrm>
-            <a:prstGeom prst="line">
-              <a:avLst/>
-            </a:prstGeom>
-            <a:ln w="12700">
-              <a:solidFill>
-                <a:schemeClr val="accent4"/>
-              </a:solidFill>
-            </a:ln>
-          </p:spPr>
-          <p:style>
-            <a:lnRef idx="1">
-              <a:schemeClr val="accent1"/>
-            </a:lnRef>
-            <a:fillRef idx="0">
-              <a:schemeClr val="accent1"/>
-            </a:fillRef>
-            <a:effectRef idx="0">
-              <a:schemeClr val="accent1"/>
-            </a:effectRef>
-            <a:fontRef idx="minor">
-              <a:schemeClr val="tx1"/>
-            </a:fontRef>
-          </p:style>
-        </p:cxnSp>
-        <p:cxnSp>
-          <p:nvCxnSpPr>
-            <p:cNvPr id="19" name="Straight Connector 18">
-              <a:extLst>
-                <a:ext uri="{FF2B5EF4-FFF2-40B4-BE49-F238E27FC236}">
-                  <a16:creationId xmlns:a16="http://schemas.microsoft.com/office/drawing/2014/main" id="{6BE3E2B5-EA1C-415A-941A-843C7EA148E1}"/>
-                </a:ext>
-                <a:ext uri="{C183D7F6-B498-43B3-948B-1728B52AA6E4}">
-                  <adec:decorative xmlns:adec="http://schemas.microsoft.com/office/drawing/2017/decorative" val="1"/>
-                </a:ext>
-              </a:extLst>
-            </p:cNvPr>
-            <p:cNvCxnSpPr>
-              <a:cxnSpLocks/>
-            </p:cNvCxnSpPr>
-            <p:nvPr>
-              <p:extLst>
-                <p:ext uri="{386F3935-93C4-4BCD-93E2-E3B085C9AB24}">
-                  <p16:designElem xmlns:p16="http://schemas.microsoft.com/office/powerpoint/2015/main" val="1"/>
-                </p:ext>
-              </p:extLst>
-            </p:nvPr>
-          </p:nvCxnSpPr>
-          <p:spPr>
-            <a:xfrm rot="16200000">
-              <a:off x="8134324" y="3428956"/>
-              <a:ext cx="6857912" cy="0"/>
-            </a:xfrm>
-            <a:prstGeom prst="line">
-              <a:avLst/>
-            </a:prstGeom>
-            <a:ln w="12700">
-              <a:solidFill>
-                <a:schemeClr val="accent4"/>
-              </a:solidFill>
-            </a:ln>
-          </p:spPr>
-          <p:style>
-            <a:lnRef idx="1">
-              <a:schemeClr val="accent1"/>
-            </a:lnRef>
-            <a:fillRef idx="0">
-              <a:schemeClr val="accent1"/>
-            </a:fillRef>
-            <a:effectRef idx="0">
-              <a:schemeClr val="accent1"/>
-            </a:effectRef>
-            <a:fontRef idx="minor">
-              <a:schemeClr val="tx1"/>
-            </a:fontRef>
-          </p:style>
-        </p:cxnSp>
-        <p:cxnSp>
-          <p:nvCxnSpPr>
-            <p:cNvPr id="20" name="Straight Connector 19">
-              <a:extLst>
-                <a:ext uri="{FF2B5EF4-FFF2-40B4-BE49-F238E27FC236}">
-                  <a16:creationId xmlns:a16="http://schemas.microsoft.com/office/drawing/2014/main" id="{087FA3A6-E398-4576-B6B8-3328028D84B2}"/>
-                </a:ext>
-                <a:ext uri="{C183D7F6-B498-43B3-948B-1728B52AA6E4}">
-                  <adec:decorative xmlns:adec="http://schemas.microsoft.com/office/drawing/2017/decorative" val="1"/>
-                </a:ext>
-              </a:extLst>
-            </p:cNvPr>
-            <p:cNvCxnSpPr>
-              <a:cxnSpLocks/>
-            </p:cNvCxnSpPr>
-            <p:nvPr>
-              <p:extLst>
-                <p:ext uri="{386F3935-93C4-4BCD-93E2-E3B085C9AB24}">
-                  <p16:designElem xmlns:p16="http://schemas.microsoft.com/office/powerpoint/2015/main" val="1"/>
-                </p:ext>
-              </p:extLst>
-            </p:nvPr>
-          </p:nvCxnSpPr>
-          <p:spPr>
-            <a:xfrm rot="16200000">
-              <a:off x="-2794261" y="3428956"/>
-              <a:ext cx="6857912" cy="0"/>
-            </a:xfrm>
-            <a:prstGeom prst="line">
-              <a:avLst/>
-            </a:prstGeom>
-            <a:ln w="12700">
-              <a:solidFill>
-                <a:schemeClr val="accent4"/>
-              </a:solidFill>
-            </a:ln>
-          </p:spPr>
-          <p:style>
-            <a:lnRef idx="1">
-              <a:schemeClr val="accent1"/>
-            </a:lnRef>
-            <a:fillRef idx="0">
-              <a:schemeClr val="accent1"/>
-            </a:fillRef>
-            <a:effectRef idx="0">
-              <a:schemeClr val="accent1"/>
-            </a:effectRef>
-            <a:fontRef idx="minor">
-              <a:schemeClr val="tx1"/>
-            </a:fontRef>
-          </p:style>
-        </p:cxnSp>
-        <p:sp>
-          <p:nvSpPr>
-            <p:cNvPr id="21" name="Graphic 33">
-              <a:extLst>
-                <a:ext uri="{FF2B5EF4-FFF2-40B4-BE49-F238E27FC236}">
-                  <a16:creationId xmlns:a16="http://schemas.microsoft.com/office/drawing/2014/main" id="{EFB597D7-65E0-476A-B9EB-3AA6ED33884C}"/>
-                </a:ext>
-                <a:ext uri="{C183D7F6-B498-43B3-948B-1728B52AA6E4}">
-                  <adec:decorative xmlns:adec="http://schemas.microsoft.com/office/drawing/2017/decorative" val="1"/>
-                </a:ext>
-              </a:extLst>
-            </p:cNvPr>
-            <p:cNvSpPr/>
-            <p:nvPr>
-              <p:extLst>
-                <p:ext uri="{386F3935-93C4-4BCD-93E2-E3B085C9AB24}">
-                  <p16:designElem xmlns:p16="http://schemas.microsoft.com/office/powerpoint/2015/main" val="1"/>
-                </p:ext>
-              </p:extLst>
-            </p:nvPr>
-          </p:nvSpPr>
-          <p:spPr>
-            <a:xfrm>
-              <a:off x="4277016" y="-1"/>
-              <a:ext cx="3637968" cy="580875"/>
-            </a:xfrm>
-            <a:custGeom>
-              <a:avLst/>
-              <a:gdLst>
-                <a:gd name="connsiteX0" fmla="*/ 0 w 2679858"/>
-                <a:gd name="connsiteY0" fmla="*/ 4953 h 434911"/>
-                <a:gd name="connsiteX1" fmla="*/ 1336548 w 2679858"/>
-                <a:gd name="connsiteY1" fmla="*/ 434912 h 434911"/>
-                <a:gd name="connsiteX2" fmla="*/ 2679859 w 2679858"/>
-                <a:gd name="connsiteY2" fmla="*/ 0 h 434911"/>
-              </a:gdLst>
-              <a:ahLst/>
-              <a:cxnLst>
-                <a:cxn ang="0">
-                  <a:pos x="connsiteX0" y="connsiteY0"/>
-                </a:cxn>
-                <a:cxn ang="0">
-                  <a:pos x="connsiteX1" y="connsiteY1"/>
-                </a:cxn>
-                <a:cxn ang="0">
-                  <a:pos x="connsiteX2" y="connsiteY2"/>
-                </a:cxn>
-              </a:cxnLst>
-              <a:rect l="l" t="t" r="r" b="b"/>
-              <a:pathLst>
-                <a:path w="2679858" h="434911">
-                  <a:moveTo>
-                    <a:pt x="0" y="4953"/>
-                  </a:moveTo>
-                  <a:cubicBezTo>
-                    <a:pt x="370427" y="274606"/>
-                    <a:pt x="833723" y="434912"/>
-                    <a:pt x="1336548" y="434912"/>
-                  </a:cubicBezTo>
-                  <a:cubicBezTo>
-                    <a:pt x="1842326" y="434912"/>
-                    <a:pt x="2308289" y="272701"/>
-                    <a:pt x="2679859" y="0"/>
-                  </a:cubicBezTo>
-                </a:path>
-              </a:pathLst>
-            </a:custGeom>
-            <a:noFill/>
-            <a:ln w="12700" cap="flat">
-              <a:solidFill>
-                <a:schemeClr val="accent4"/>
-              </a:solidFill>
-              <a:prstDash val="solid"/>
-              <a:miter/>
-            </a:ln>
-          </p:spPr>
-          <p:txBody>
-            <a:bodyPr rtlCol="0" anchor="ctr"/>
-            <a:lstStyle/>
-            <a:p>
-              <a:endParaRPr lang="en-US" dirty="0"/>
-            </a:p>
-          </p:txBody>
-        </p:sp>
-        <p:sp>
-          <p:nvSpPr>
-            <p:cNvPr id="22" name="Graphic 33">
-              <a:extLst>
-                <a:ext uri="{FF2B5EF4-FFF2-40B4-BE49-F238E27FC236}">
-                  <a16:creationId xmlns:a16="http://schemas.microsoft.com/office/drawing/2014/main" id="{11AA060A-BE0E-4687-8F9E-0E2955D9796D}"/>
-                </a:ext>
-                <a:ext uri="{C183D7F6-B498-43B3-948B-1728B52AA6E4}">
-                  <adec:decorative xmlns:adec="http://schemas.microsoft.com/office/drawing/2017/decorative" val="1"/>
-                </a:ext>
-              </a:extLst>
-            </p:cNvPr>
-            <p:cNvSpPr/>
-            <p:nvPr>
-              <p:extLst>
-                <p:ext uri="{386F3935-93C4-4BCD-93E2-E3B085C9AB24}">
-                  <p16:designElem xmlns:p16="http://schemas.microsoft.com/office/powerpoint/2015/main" val="1"/>
-                </p:ext>
-              </p:extLst>
-            </p:nvPr>
-          </p:nvSpPr>
-          <p:spPr>
-            <a:xfrm rot="10800000">
-              <a:off x="4305089" y="6276705"/>
-              <a:ext cx="3581824" cy="581290"/>
-            </a:xfrm>
-            <a:custGeom>
-              <a:avLst/>
-              <a:gdLst>
-                <a:gd name="connsiteX0" fmla="*/ 0 w 2679858"/>
-                <a:gd name="connsiteY0" fmla="*/ 4953 h 434911"/>
-                <a:gd name="connsiteX1" fmla="*/ 1336548 w 2679858"/>
-                <a:gd name="connsiteY1" fmla="*/ 434912 h 434911"/>
-                <a:gd name="connsiteX2" fmla="*/ 2679859 w 2679858"/>
-                <a:gd name="connsiteY2" fmla="*/ 0 h 434911"/>
-              </a:gdLst>
-              <a:ahLst/>
-              <a:cxnLst>
-                <a:cxn ang="0">
-                  <a:pos x="connsiteX0" y="connsiteY0"/>
-                </a:cxn>
-                <a:cxn ang="0">
-                  <a:pos x="connsiteX1" y="connsiteY1"/>
-                </a:cxn>
-                <a:cxn ang="0">
-                  <a:pos x="connsiteX2" y="connsiteY2"/>
-                </a:cxn>
-              </a:cxnLst>
-              <a:rect l="l" t="t" r="r" b="b"/>
-              <a:pathLst>
-                <a:path w="2679858" h="434911">
-                  <a:moveTo>
-                    <a:pt x="0" y="4953"/>
-                  </a:moveTo>
-                  <a:cubicBezTo>
-                    <a:pt x="370427" y="274606"/>
-                    <a:pt x="833723" y="434912"/>
-                    <a:pt x="1336548" y="434912"/>
-                  </a:cubicBezTo>
-                  <a:cubicBezTo>
-                    <a:pt x="1842326" y="434912"/>
-                    <a:pt x="2308289" y="272701"/>
-                    <a:pt x="2679859" y="0"/>
-                  </a:cubicBezTo>
-                </a:path>
-              </a:pathLst>
-            </a:custGeom>
-            <a:noFill/>
-            <a:ln w="12700" cap="flat">
-              <a:solidFill>
-                <a:schemeClr val="accent4"/>
-              </a:solidFill>
-              <a:prstDash val="solid"/>
-              <a:miter/>
-            </a:ln>
-          </p:spPr>
-          <p:txBody>
-            <a:bodyPr rtlCol="0" anchor="ctr"/>
-            <a:lstStyle/>
-            <a:p>
-              <a:endParaRPr lang="en-US" dirty="0"/>
-            </a:p>
-          </p:txBody>
-        </p:sp>
-      </p:grpSp>
-      <p:sp useBgFill="1">
-        <p:nvSpPr>
-          <p:cNvPr id="24" name="Rectangle 23">
-            <a:extLst>
-              <a:ext uri="{FF2B5EF4-FFF2-40B4-BE49-F238E27FC236}">
-                <a16:creationId xmlns:a16="http://schemas.microsoft.com/office/drawing/2014/main" id="{AE6FDE22-1F54-452D-A9BA-1BE9FDB53450}"/>
-              </a:ext>
-              <a:ext uri="{C183D7F6-B498-43B3-948B-1728B52AA6E4}">
-                <adec:decorative xmlns:adec="http://schemas.microsoft.com/office/drawing/2017/decorative" val="1"/>
-              </a:ext>
-            </a:extLst>
-          </p:cNvPr>
-          <p:cNvSpPr>
-            <a:spLocks noGrp="1" noRot="1" noChangeAspect="1" noMove="1" noResize="1" noEditPoints="1" noAdjustHandles="1" noChangeArrowheads="1" noChangeShapeType="1" noTextEdit="1"/>
-          </p:cNvSpPr>
-          <p:nvPr>
-            <p:extLst>
-              <p:ext uri="{386F3935-93C4-4BCD-93E2-E3B085C9AB24}">
-                <p16:designElem xmlns:p16="http://schemas.microsoft.com/office/powerpoint/2015/main" val="1"/>
-              </p:ext>
-            </p:extLst>
-          </p:nvPr>
-        </p:nvSpPr>
-        <p:spPr>
-          <a:xfrm>
-            <a:off x="-1" y="3"/>
-            <a:ext cx="12192001" cy="6857997"/>
-          </a:xfrm>
-          <a:prstGeom prst="rect">
-            <a:avLst/>
-          </a:prstGeom>
-          <a:ln>
-            <a:noFill/>
-          </a:ln>
-        </p:spPr>
-        <p:style>
-          <a:lnRef idx="2">
-            <a:schemeClr val="accent1">
-              <a:shade val="50000"/>
-            </a:schemeClr>
-          </a:lnRef>
-          <a:fillRef idx="1">
-            <a:schemeClr val="accent1"/>
-          </a:fillRef>
-          <a:effectRef idx="0">
-            <a:schemeClr val="accent1"/>
-          </a:effectRef>
-          <a:fontRef idx="minor">
-            <a:schemeClr val="lt1"/>
-          </a:fontRef>
-        </p:style>
-        <p:txBody>
-          <a:bodyPr rtlCol="0" anchor="ctr"/>
-          <a:lstStyle/>
-          <a:p>
-            <a:pPr algn="ctr"/>
-            <a:endParaRPr lang="en-US"/>
-          </a:p>
-        </p:txBody>
-      </p:sp>
-      <p:sp>
-        <p:nvSpPr>
-          <p:cNvPr id="26" name="Rectangle 25">
-            <a:extLst>
-              <a:ext uri="{FF2B5EF4-FFF2-40B4-BE49-F238E27FC236}">
-                <a16:creationId xmlns:a16="http://schemas.microsoft.com/office/drawing/2014/main" id="{F06127CE-6F15-49AE-9751-398F3AC67163}"/>
-              </a:ext>
-              <a:ext uri="{C183D7F6-B498-43B3-948B-1728B52AA6E4}">
-                <adec:decorative xmlns:adec="http://schemas.microsoft.com/office/drawing/2017/decorative" val="1"/>
-              </a:ext>
-            </a:extLst>
-          </p:cNvPr>
-          <p:cNvSpPr>
-            <a:spLocks noGrp="1" noRot="1" noChangeAspect="1" noMove="1" noResize="1" noEditPoints="1" noAdjustHandles="1" noChangeArrowheads="1" noChangeShapeType="1" noTextEdit="1"/>
-          </p:cNvSpPr>
-          <p:nvPr>
-            <p:extLst>
-              <p:ext uri="{386F3935-93C4-4BCD-93E2-E3B085C9AB24}">
-                <p16:designElem xmlns:p16="http://schemas.microsoft.com/office/powerpoint/2015/main" val="1"/>
-              </p:ext>
-            </p:extLst>
-          </p:nvPr>
-        </p:nvSpPr>
-        <p:spPr>
-          <a:xfrm>
-            <a:off x="0" y="6438"/>
-            <a:ext cx="12192000" cy="6857997"/>
-          </a:xfrm>
-          <a:prstGeom prst="rect">
-            <a:avLst/>
-          </a:prstGeom>
-          <a:solidFill>
-            <a:schemeClr val="bg2">
-              <a:lumMod val="60000"/>
-              <a:lumOff val="40000"/>
-            </a:schemeClr>
-          </a:solidFill>
-          <a:ln>
-            <a:noFill/>
-          </a:ln>
-        </p:spPr>
-        <p:style>
-          <a:lnRef idx="2">
-            <a:schemeClr val="accent1">
-              <a:shade val="50000"/>
-            </a:schemeClr>
-          </a:lnRef>
-          <a:fillRef idx="1">
-            <a:schemeClr val="accent1"/>
-          </a:fillRef>
-          <a:effectRef idx="0">
-            <a:schemeClr val="accent1"/>
-          </a:effectRef>
-          <a:fontRef idx="minor">
-            <a:schemeClr val="lt1"/>
-          </a:fontRef>
-        </p:style>
-        <p:txBody>
-          <a:bodyPr rtlCol="0" anchor="ctr"/>
-          <a:lstStyle/>
-          <a:p>
-            <a:pPr algn="ctr"/>
-            <a:endParaRPr lang="en-US" dirty="0"/>
-          </a:p>
-        </p:txBody>
-      </p:sp>
-      <p:sp>
-        <p:nvSpPr>
-          <p:cNvPr id="2" name="TextBox 1">
-            <a:extLst>
-              <a:ext uri="{FF2B5EF4-FFF2-40B4-BE49-F238E27FC236}">
-                <a16:creationId xmlns:a16="http://schemas.microsoft.com/office/drawing/2014/main" id="{31F23D63-1154-3261-46B5-E1DF8E32FABA}"/>
-              </a:ext>
-            </a:extLst>
-          </p:cNvPr>
-          <p:cNvSpPr txBox="1"/>
-          <p:nvPr/>
-        </p:nvSpPr>
-        <p:spPr>
-          <a:xfrm>
-            <a:off x="624684" y="130190"/>
-            <a:ext cx="6281649" cy="901367"/>
-          </a:xfrm>
-          <a:prstGeom prst="rect">
-            <a:avLst/>
-          </a:prstGeom>
-        </p:spPr>
-        <p:txBody>
-          <a:bodyPr vert="horz" lIns="91440" tIns="45720" rIns="91440" bIns="45720" rtlCol="0" anchor="b">
-            <a:normAutofit/>
-          </a:bodyPr>
-          <a:lstStyle/>
-          <a:p>
-            <a:pPr algn="ctr">
-              <a:spcBef>
-                <a:spcPct val="0"/>
-              </a:spcBef>
-              <a:spcAft>
-                <a:spcPts val="600"/>
-              </a:spcAft>
-            </a:pPr>
-            <a:r>
-              <a:rPr lang="en-US" sz="4400" dirty="0">
-                <a:solidFill>
-                  <a:schemeClr val="tx2">
-                    <a:lumMod val="60000"/>
-                    <a:lumOff val="40000"/>
-                  </a:schemeClr>
-                </a:solidFill>
-                <a:latin typeface="+mj-lt"/>
-                <a:ea typeface="+mj-ea"/>
-                <a:cs typeface="+mj-cs"/>
-              </a:rPr>
-              <a:t>Development Workflow</a:t>
-            </a:r>
-          </a:p>
-        </p:txBody>
-      </p:sp>
-      <p:sp>
-        <p:nvSpPr>
-          <p:cNvPr id="9" name="TextBox 8">
-            <a:extLst>
-              <a:ext uri="{FF2B5EF4-FFF2-40B4-BE49-F238E27FC236}">
-                <a16:creationId xmlns:a16="http://schemas.microsoft.com/office/drawing/2014/main" id="{F74AA1FD-C341-1A3C-2E70-33E1FFDD66E6}"/>
-              </a:ext>
-            </a:extLst>
-          </p:cNvPr>
-          <p:cNvSpPr txBox="1"/>
-          <p:nvPr/>
-        </p:nvSpPr>
-        <p:spPr>
-          <a:xfrm>
-            <a:off x="339649" y="1031557"/>
-            <a:ext cx="7090675" cy="3043238"/>
-          </a:xfrm>
-          <a:prstGeom prst="rect">
-            <a:avLst/>
-          </a:prstGeom>
-        </p:spPr>
-        <p:txBody>
-          <a:bodyPr vert="horz" lIns="91440" tIns="45720" rIns="91440" bIns="45720" rtlCol="0">
-            <a:noAutofit/>
-          </a:bodyPr>
-          <a:lstStyle/>
-          <a:p>
-            <a:pPr marL="285750" indent="-228600">
-              <a:spcAft>
-                <a:spcPts val="600"/>
-              </a:spcAft>
-              <a:buFont typeface="Arial" panose="020B0604020202020204" pitchFamily="34" charset="0"/>
-              <a:buChar char="•"/>
-            </a:pPr>
-            <a:r>
-              <a:rPr lang="en-US" sz="2000" dirty="0">
-                <a:solidFill>
-                  <a:srgbClr val="C00000"/>
-                </a:solidFill>
-                <a:latin typeface="Times New Roman" panose="02020603050405020304" pitchFamily="18" charset="0"/>
-                <a:cs typeface="Times New Roman" panose="02020603050405020304" pitchFamily="18" charset="0"/>
-              </a:rPr>
-              <a:t>Defined the game mechanics and movement system.</a:t>
-            </a:r>
-          </a:p>
-          <a:p>
-            <a:pPr marL="285750" indent="-228600">
-              <a:spcAft>
-                <a:spcPts val="600"/>
-              </a:spcAft>
-              <a:buFont typeface="Arial" panose="020B0604020202020204" pitchFamily="34" charset="0"/>
-              <a:buChar char="•"/>
-            </a:pPr>
-            <a:r>
-              <a:rPr lang="en-US" sz="2000" dirty="0">
-                <a:solidFill>
-                  <a:srgbClr val="C00000"/>
-                </a:solidFill>
-                <a:latin typeface="Times New Roman" panose="02020603050405020304" pitchFamily="18" charset="0"/>
-                <a:cs typeface="Times New Roman" panose="02020603050405020304" pitchFamily="18" charset="0"/>
-              </a:rPr>
-              <a:t>Imported Gex Game Engine</a:t>
-            </a:r>
-          </a:p>
-          <a:p>
-            <a:pPr marL="285750" indent="-228600">
-              <a:spcAft>
-                <a:spcPts val="600"/>
-              </a:spcAft>
-              <a:buFont typeface="Arial" panose="020B0604020202020204" pitchFamily="34" charset="0"/>
-              <a:buChar char="•"/>
-            </a:pPr>
-            <a:r>
-              <a:rPr lang="en-US" sz="2000" dirty="0">
-                <a:solidFill>
-                  <a:srgbClr val="C00000"/>
-                </a:solidFill>
-                <a:latin typeface="Times New Roman" panose="02020603050405020304" pitchFamily="18" charset="0"/>
-                <a:cs typeface="Times New Roman" panose="02020603050405020304" pitchFamily="18" charset="0"/>
-              </a:rPr>
-              <a:t>Created and added pixel-art textures (Snake, Apple, Walls).</a:t>
-            </a:r>
-          </a:p>
-          <a:p>
-            <a:pPr marL="285750" indent="-228600">
-              <a:spcAft>
-                <a:spcPts val="600"/>
-              </a:spcAft>
-              <a:buFont typeface="Arial" panose="020B0604020202020204" pitchFamily="34" charset="0"/>
-              <a:buChar char="•"/>
-            </a:pPr>
-            <a:r>
-              <a:rPr lang="en-US" sz="2000" dirty="0">
-                <a:solidFill>
-                  <a:srgbClr val="C00000"/>
-                </a:solidFill>
-                <a:latin typeface="Times New Roman" panose="02020603050405020304" pitchFamily="18" charset="0"/>
-                <a:cs typeface="Times New Roman" panose="02020603050405020304" pitchFamily="18" charset="0"/>
-              </a:rPr>
-              <a:t>Looked for the menu and gameplay themes.</a:t>
-            </a:r>
-          </a:p>
-          <a:p>
-            <a:pPr marL="285750" indent="-228600">
-              <a:spcAft>
-                <a:spcPts val="600"/>
-              </a:spcAft>
-              <a:buFont typeface="Arial" panose="020B0604020202020204" pitchFamily="34" charset="0"/>
-              <a:buChar char="•"/>
-            </a:pPr>
-            <a:r>
-              <a:rPr lang="en-US" sz="2000" dirty="0">
-                <a:solidFill>
-                  <a:srgbClr val="C00000"/>
-                </a:solidFill>
-                <a:latin typeface="Times New Roman" panose="02020603050405020304" pitchFamily="18" charset="0"/>
-                <a:cs typeface="Times New Roman" panose="02020603050405020304" pitchFamily="18" charset="0"/>
-              </a:rPr>
-              <a:t>Drew game and menu background images.</a:t>
-            </a:r>
-          </a:p>
-          <a:p>
-            <a:pPr marL="285750" indent="-228600">
-              <a:spcAft>
-                <a:spcPts val="600"/>
-              </a:spcAft>
-              <a:buFont typeface="Arial" panose="020B0604020202020204" pitchFamily="34" charset="0"/>
-              <a:buChar char="•"/>
-            </a:pPr>
-            <a:r>
-              <a:rPr lang="en-US" sz="2000" dirty="0">
-                <a:solidFill>
-                  <a:srgbClr val="C00000"/>
-                </a:solidFill>
-                <a:latin typeface="Times New Roman" panose="02020603050405020304" pitchFamily="18" charset="0"/>
-                <a:cs typeface="Times New Roman" panose="02020603050405020304" pitchFamily="18" charset="0"/>
-              </a:rPr>
-              <a:t>Looked for different sound effects.</a:t>
-            </a:r>
-          </a:p>
-          <a:p>
-            <a:pPr marL="285750" indent="-228600">
-              <a:spcAft>
-                <a:spcPts val="600"/>
-              </a:spcAft>
-              <a:buFont typeface="Arial" panose="020B0604020202020204" pitchFamily="34" charset="0"/>
-              <a:buChar char="•"/>
-            </a:pPr>
-            <a:r>
-              <a:rPr lang="en-US" sz="2000" dirty="0">
-                <a:solidFill>
-                  <a:srgbClr val="C00000"/>
-                </a:solidFill>
-                <a:latin typeface="Times New Roman" panose="02020603050405020304" pitchFamily="18" charset="0"/>
-                <a:cs typeface="Times New Roman" panose="02020603050405020304" pitchFamily="18" charset="0"/>
-              </a:rPr>
-              <a:t>Made and added menu theme</a:t>
-            </a:r>
-          </a:p>
-          <a:p>
-            <a:pPr marL="285750" indent="-228600">
-              <a:spcAft>
-                <a:spcPts val="600"/>
-              </a:spcAft>
-              <a:buFont typeface="Arial" panose="020B0604020202020204" pitchFamily="34" charset="0"/>
-              <a:buChar char="•"/>
-            </a:pPr>
-            <a:r>
-              <a:rPr lang="en-US" sz="2000" dirty="0">
-                <a:solidFill>
-                  <a:srgbClr val="C00000"/>
-                </a:solidFill>
-                <a:latin typeface="Times New Roman" panose="02020603050405020304" pitchFamily="18" charset="0"/>
-                <a:cs typeface="Times New Roman" panose="02020603050405020304" pitchFamily="18" charset="0"/>
-              </a:rPr>
-              <a:t>Made and added gameplay theme and map</a:t>
-            </a:r>
-          </a:p>
-          <a:p>
-            <a:pPr marL="285750" indent="-228600">
-              <a:spcAft>
-                <a:spcPts val="600"/>
-              </a:spcAft>
-              <a:buFont typeface="Arial" panose="020B0604020202020204" pitchFamily="34" charset="0"/>
-              <a:buChar char="•"/>
-            </a:pPr>
-            <a:r>
-              <a:rPr lang="en-US" sz="2000" dirty="0">
-                <a:solidFill>
-                  <a:srgbClr val="C00000"/>
-                </a:solidFill>
-                <a:latin typeface="Times New Roman" panose="02020603050405020304" pitchFamily="18" charset="0"/>
-                <a:cs typeface="Times New Roman" panose="02020603050405020304" pitchFamily="18" charset="0"/>
-              </a:rPr>
-              <a:t>Added walls.</a:t>
-            </a:r>
-          </a:p>
-          <a:p>
-            <a:pPr marL="285750" indent="-228600">
-              <a:spcAft>
-                <a:spcPts val="600"/>
-              </a:spcAft>
-              <a:buFont typeface="Arial" panose="020B0604020202020204" pitchFamily="34" charset="0"/>
-              <a:buChar char="•"/>
-            </a:pPr>
-            <a:r>
-              <a:rPr lang="en-US" sz="2000" dirty="0">
-                <a:solidFill>
-                  <a:srgbClr val="C00000"/>
-                </a:solidFill>
-                <a:latin typeface="Times New Roman" panose="02020603050405020304" pitchFamily="18" charset="0"/>
-                <a:cs typeface="Times New Roman" panose="02020603050405020304" pitchFamily="18" charset="0"/>
-              </a:rPr>
-              <a:t>Added snake.</a:t>
-            </a:r>
-          </a:p>
-          <a:p>
-            <a:pPr marL="285750" indent="-228600">
-              <a:spcAft>
-                <a:spcPts val="600"/>
-              </a:spcAft>
-              <a:buFont typeface="Arial" panose="020B0604020202020204" pitchFamily="34" charset="0"/>
-              <a:buChar char="•"/>
-            </a:pPr>
-            <a:r>
-              <a:rPr lang="en-US" sz="2000" dirty="0">
-                <a:solidFill>
-                  <a:srgbClr val="C00000"/>
-                </a:solidFill>
-                <a:latin typeface="Times New Roman" panose="02020603050405020304" pitchFamily="18" charset="0"/>
-                <a:cs typeface="Times New Roman" panose="02020603050405020304" pitchFamily="18" charset="0"/>
-              </a:rPr>
-              <a:t>Added fruits and effects.</a:t>
-            </a:r>
-          </a:p>
-          <a:p>
-            <a:pPr marL="285750" indent="-228600">
-              <a:spcAft>
-                <a:spcPts val="600"/>
-              </a:spcAft>
-              <a:buFont typeface="Arial" panose="020B0604020202020204" pitchFamily="34" charset="0"/>
-              <a:buChar char="•"/>
-            </a:pPr>
-            <a:r>
-              <a:rPr lang="en-US" sz="2000" dirty="0">
-                <a:solidFill>
-                  <a:srgbClr val="C00000"/>
-                </a:solidFill>
-                <a:latin typeface="Times New Roman" panose="02020603050405020304" pitchFamily="18" charset="0"/>
-                <a:cs typeface="Times New Roman" panose="02020603050405020304" pitchFamily="18" charset="0"/>
-              </a:rPr>
-              <a:t>Added and display the score in the top left corner.</a:t>
-            </a:r>
-          </a:p>
-          <a:p>
-            <a:pPr marL="285750" indent="-228600">
-              <a:spcAft>
-                <a:spcPts val="600"/>
-              </a:spcAft>
-              <a:buFont typeface="Arial" panose="020B0604020202020204" pitchFamily="34" charset="0"/>
-              <a:buChar char="•"/>
-            </a:pPr>
-            <a:r>
-              <a:rPr lang="en-US" sz="2000" dirty="0">
-                <a:solidFill>
-                  <a:srgbClr val="C00000"/>
-                </a:solidFill>
-                <a:latin typeface="Times New Roman" panose="02020603050405020304" pitchFamily="18" charset="0"/>
-                <a:cs typeface="Times New Roman" panose="02020603050405020304" pitchFamily="18" charset="0"/>
-              </a:rPr>
-              <a:t>Added a collision checkers for snake, fruits, and walls.</a:t>
-            </a:r>
-          </a:p>
-          <a:p>
-            <a:pPr marL="285750" indent="-228600">
-              <a:spcAft>
-                <a:spcPts val="600"/>
-              </a:spcAft>
-              <a:buFont typeface="Arial" panose="020B0604020202020204" pitchFamily="34" charset="0"/>
-              <a:buChar char="•"/>
-            </a:pPr>
-            <a:r>
-              <a:rPr lang="en-US" sz="2000" dirty="0">
-                <a:solidFill>
-                  <a:srgbClr val="C00000"/>
-                </a:solidFill>
-                <a:latin typeface="Times New Roman" panose="02020603050405020304" pitchFamily="18" charset="0"/>
-                <a:cs typeface="Times New Roman" panose="02020603050405020304" pitchFamily="18" charset="0"/>
-              </a:rPr>
-              <a:t>Added themes.</a:t>
-            </a:r>
-          </a:p>
-        </p:txBody>
-      </p:sp>
-      <p:grpSp>
-        <p:nvGrpSpPr>
-          <p:cNvPr id="28" name="Group 27">
-            <a:extLst>
-              <a:ext uri="{FF2B5EF4-FFF2-40B4-BE49-F238E27FC236}">
-                <a16:creationId xmlns:a16="http://schemas.microsoft.com/office/drawing/2014/main" id="{CA1D068A-9BF0-4617-964A-7099003F0034}"/>
+          <p:cNvPr id="53" name="Group 52">
+            <a:extLst>
+              <a:ext uri="{FF2B5EF4-FFF2-40B4-BE49-F238E27FC236}">
+                <a16:creationId xmlns:a16="http://schemas.microsoft.com/office/drawing/2014/main" id="{32D203DB-0A86-46BE-8863-3ADAEAAFE229}"/>
               </a:ext>
               <a:ext uri="{C183D7F6-B498-43B3-948B-1728B52AA6E4}">
                 <adec:decorative xmlns:adec="http://schemas.microsoft.com/office/drawing/2017/decorative" val="1"/>
@@ -8594,10 +7226,10 @@
         </p:grpSpPr>
         <p:cxnSp>
           <p:nvCxnSpPr>
-            <p:cNvPr id="29" name="Straight Connector 28">
+            <p:cNvPr id="54" name="Straight Connector 53">
               <a:extLst>
                 <a:ext uri="{FF2B5EF4-FFF2-40B4-BE49-F238E27FC236}">
-                  <a16:creationId xmlns:a16="http://schemas.microsoft.com/office/drawing/2014/main" id="{74F6B7C5-FA24-492E-A324-A37D3E083F78}"/>
+                  <a16:creationId xmlns:a16="http://schemas.microsoft.com/office/drawing/2014/main" id="{8B0AC44C-2ED8-4E20-B5A9-1C6C28FB8C43}"/>
                 </a:ext>
                 <a:ext uri="{C183D7F6-B498-43B3-948B-1728B52AA6E4}">
                   <adec:decorative xmlns:adec="http://schemas.microsoft.com/office/drawing/2017/decorative" val="1"/>
@@ -8616,9 +7248,9 @@
             </p:nvPr>
           </p:nvCxnSpPr>
           <p:spPr>
-            <a:xfrm flipV="1">
-              <a:off x="9498848" y="581337"/>
-              <a:ext cx="0" cy="5695397"/>
+            <a:xfrm>
+              <a:off x="7434228" y="3389697"/>
+              <a:ext cx="4133088" cy="0"/>
             </a:xfrm>
             <a:prstGeom prst="line">
               <a:avLst/>
@@ -8646,10 +7278,114 @@
         </p:cxnSp>
         <p:cxnSp>
           <p:nvCxnSpPr>
-            <p:cNvPr id="30" name="Straight Connector 29">
+            <p:cNvPr id="55" name="Straight Connector 54">
               <a:extLst>
                 <a:ext uri="{FF2B5EF4-FFF2-40B4-BE49-F238E27FC236}">
-                  <a16:creationId xmlns:a16="http://schemas.microsoft.com/office/drawing/2014/main" id="{3129ABF1-4CE0-48FD-8C93-7733310EB918}"/>
+                  <a16:creationId xmlns:a16="http://schemas.microsoft.com/office/drawing/2014/main" id="{AA1B6941-5982-4DC6-B619-246463FBDAB8}"/>
+                </a:ext>
+                <a:ext uri="{C183D7F6-B498-43B3-948B-1728B52AA6E4}">
+                  <adec:decorative xmlns:adec="http://schemas.microsoft.com/office/drawing/2017/decorative" val="1"/>
+                </a:ext>
+              </a:extLst>
+            </p:cNvPr>
+            <p:cNvCxnSpPr>
+              <a:cxnSpLocks/>
+            </p:cNvCxnSpPr>
+            <p:nvPr>
+              <p:extLst>
+                <p:ext uri="{386F3935-93C4-4BCD-93E2-E3B085C9AB24}">
+                  <p16:designElem xmlns:p16="http://schemas.microsoft.com/office/powerpoint/2015/main" val="1"/>
+                </p:ext>
+              </p:extLst>
+            </p:nvPr>
+          </p:nvCxnSpPr>
+          <p:spPr>
+            <a:xfrm>
+              <a:off x="7434228" y="581337"/>
+              <a:ext cx="4133088" cy="0"/>
+            </a:xfrm>
+            <a:prstGeom prst="line">
+              <a:avLst/>
+            </a:prstGeom>
+            <a:ln w="12700">
+              <a:solidFill>
+                <a:schemeClr val="accent4"/>
+              </a:solidFill>
+            </a:ln>
+          </p:spPr>
+          <p:style>
+            <a:lnRef idx="1">
+              <a:schemeClr val="accent1"/>
+            </a:lnRef>
+            <a:fillRef idx="0">
+              <a:schemeClr val="accent1"/>
+            </a:fillRef>
+            <a:effectRef idx="0">
+              <a:schemeClr val="accent1"/>
+            </a:effectRef>
+            <a:fontRef idx="minor">
+              <a:schemeClr val="tx1"/>
+            </a:fontRef>
+          </p:style>
+        </p:cxnSp>
+        <p:cxnSp>
+          <p:nvCxnSpPr>
+            <p:cNvPr id="56" name="Straight Connector 55">
+              <a:extLst>
+                <a:ext uri="{FF2B5EF4-FFF2-40B4-BE49-F238E27FC236}">
+                  <a16:creationId xmlns:a16="http://schemas.microsoft.com/office/drawing/2014/main" id="{A79D375A-AD6D-4EF5-90DE-A18751F29B32}"/>
+                </a:ext>
+                <a:ext uri="{C183D7F6-B498-43B3-948B-1728B52AA6E4}">
+                  <adec:decorative xmlns:adec="http://schemas.microsoft.com/office/drawing/2017/decorative" val="1"/>
+                </a:ext>
+              </a:extLst>
+            </p:cNvPr>
+            <p:cNvCxnSpPr>
+              <a:cxnSpLocks/>
+            </p:cNvCxnSpPr>
+            <p:nvPr>
+              <p:extLst>
+                <p:ext uri="{386F3935-93C4-4BCD-93E2-E3B085C9AB24}">
+                  <p16:designElem xmlns:p16="http://schemas.microsoft.com/office/powerpoint/2015/main" val="1"/>
+                </p:ext>
+              </p:extLst>
+            </p:nvPr>
+          </p:nvCxnSpPr>
+          <p:spPr>
+            <a:xfrm>
+              <a:off x="7434228" y="6276734"/>
+              <a:ext cx="4133088" cy="0"/>
+            </a:xfrm>
+            <a:prstGeom prst="line">
+              <a:avLst/>
+            </a:prstGeom>
+            <a:ln w="12700">
+              <a:solidFill>
+                <a:schemeClr val="accent4"/>
+              </a:solidFill>
+            </a:ln>
+          </p:spPr>
+          <p:style>
+            <a:lnRef idx="1">
+              <a:schemeClr val="accent1"/>
+            </a:lnRef>
+            <a:fillRef idx="0">
+              <a:schemeClr val="accent1"/>
+            </a:fillRef>
+            <a:effectRef idx="0">
+              <a:schemeClr val="accent1"/>
+            </a:effectRef>
+            <a:fontRef idx="minor">
+              <a:schemeClr val="tx1"/>
+            </a:fontRef>
+          </p:style>
+        </p:cxnSp>
+        <p:cxnSp>
+          <p:nvCxnSpPr>
+            <p:cNvPr id="57" name="Straight Connector 56">
+              <a:extLst>
+                <a:ext uri="{FF2B5EF4-FFF2-40B4-BE49-F238E27FC236}">
+                  <a16:creationId xmlns:a16="http://schemas.microsoft.com/office/drawing/2014/main" id="{8B1C0059-D6B2-47F8-9BA7-DF6C5BA93A0C}"/>
                 </a:ext>
                 <a:ext uri="{C183D7F6-B498-43B3-948B-1728B52AA6E4}">
                   <adec:decorative xmlns:adec="http://schemas.microsoft.com/office/drawing/2017/decorative" val="1"/>
@@ -8698,10 +7434,10 @@
         </p:cxnSp>
         <p:cxnSp>
           <p:nvCxnSpPr>
-            <p:cNvPr id="31" name="Straight Connector 30">
+            <p:cNvPr id="58" name="Straight Connector 57">
               <a:extLst>
                 <a:ext uri="{FF2B5EF4-FFF2-40B4-BE49-F238E27FC236}">
-                  <a16:creationId xmlns:a16="http://schemas.microsoft.com/office/drawing/2014/main" id="{4F0EC414-2415-4517-9FA3-50D3FAC1617B}"/>
+                  <a16:creationId xmlns:a16="http://schemas.microsoft.com/office/drawing/2014/main" id="{54648D07-9FA7-4204-82F9-8FE9CFBFE864}"/>
                 </a:ext>
                 <a:ext uri="{C183D7F6-B498-43B3-948B-1728B52AA6E4}">
                   <adec:decorative xmlns:adec="http://schemas.microsoft.com/office/drawing/2017/decorative" val="1"/>
@@ -8748,203 +7484,13 @@
             </a:fontRef>
           </p:style>
         </p:cxnSp>
-        <p:cxnSp>
-          <p:nvCxnSpPr>
-            <p:cNvPr id="32" name="Straight Connector 31">
-              <a:extLst>
-                <a:ext uri="{FF2B5EF4-FFF2-40B4-BE49-F238E27FC236}">
-                  <a16:creationId xmlns:a16="http://schemas.microsoft.com/office/drawing/2014/main" id="{D659EE85-BC19-4BD4-BC6A-E48915349EB3}"/>
-                </a:ext>
-                <a:ext uri="{C183D7F6-B498-43B3-948B-1728B52AA6E4}">
-                  <adec:decorative xmlns:adec="http://schemas.microsoft.com/office/drawing/2017/decorative" val="1"/>
-                </a:ext>
-              </a:extLst>
-            </p:cNvPr>
-            <p:cNvCxnSpPr>
-              <a:cxnSpLocks/>
-            </p:cNvCxnSpPr>
-            <p:nvPr>
-              <p:extLst>
-                <p:ext uri="{386F3935-93C4-4BCD-93E2-E3B085C9AB24}">
-                  <p16:designElem xmlns:p16="http://schemas.microsoft.com/office/powerpoint/2015/main" val="1"/>
-                </p:ext>
-              </p:extLst>
-            </p:nvPr>
-          </p:nvCxnSpPr>
-          <p:spPr>
-            <a:xfrm>
-              <a:off x="7434228" y="581337"/>
-              <a:ext cx="4133088" cy="0"/>
-            </a:xfrm>
-            <a:prstGeom prst="line">
-              <a:avLst/>
-            </a:prstGeom>
-            <a:ln w="12700">
-              <a:solidFill>
-                <a:schemeClr val="accent4"/>
-              </a:solidFill>
-            </a:ln>
-          </p:spPr>
-          <p:style>
-            <a:lnRef idx="1">
-              <a:schemeClr val="accent1"/>
-            </a:lnRef>
-            <a:fillRef idx="0">
-              <a:schemeClr val="accent1"/>
-            </a:fillRef>
-            <a:effectRef idx="0">
-              <a:schemeClr val="accent1"/>
-            </a:effectRef>
-            <a:fontRef idx="minor">
-              <a:schemeClr val="tx1"/>
-            </a:fontRef>
-          </p:style>
-        </p:cxnSp>
-        <p:cxnSp>
-          <p:nvCxnSpPr>
-            <p:cNvPr id="33" name="Straight Connector 32">
-              <a:extLst>
-                <a:ext uri="{FF2B5EF4-FFF2-40B4-BE49-F238E27FC236}">
-                  <a16:creationId xmlns:a16="http://schemas.microsoft.com/office/drawing/2014/main" id="{1712D9CB-9DAF-43F9-8311-49E3F97638DA}"/>
-                </a:ext>
-                <a:ext uri="{C183D7F6-B498-43B3-948B-1728B52AA6E4}">
-                  <adec:decorative xmlns:adec="http://schemas.microsoft.com/office/drawing/2017/decorative" val="1"/>
-                </a:ext>
-              </a:extLst>
-            </p:cNvPr>
-            <p:cNvCxnSpPr>
-              <a:cxnSpLocks/>
-            </p:cNvCxnSpPr>
-            <p:nvPr>
-              <p:extLst>
-                <p:ext uri="{386F3935-93C4-4BCD-93E2-E3B085C9AB24}">
-                  <p16:designElem xmlns:p16="http://schemas.microsoft.com/office/powerpoint/2015/main" val="1"/>
-                </p:ext>
-              </p:extLst>
-            </p:nvPr>
-          </p:nvCxnSpPr>
-          <p:spPr>
-            <a:xfrm>
-              <a:off x="7434228" y="6276734"/>
-              <a:ext cx="4133088" cy="0"/>
-            </a:xfrm>
-            <a:prstGeom prst="line">
-              <a:avLst/>
-            </a:prstGeom>
-            <a:ln w="12700">
-              <a:solidFill>
-                <a:schemeClr val="accent4"/>
-              </a:solidFill>
-            </a:ln>
-          </p:spPr>
-          <p:style>
-            <a:lnRef idx="1">
-              <a:schemeClr val="accent1"/>
-            </a:lnRef>
-            <a:fillRef idx="0">
-              <a:schemeClr val="accent1"/>
-            </a:fillRef>
-            <a:effectRef idx="0">
-              <a:schemeClr val="accent1"/>
-            </a:effectRef>
-            <a:fontRef idx="minor">
-              <a:schemeClr val="tx1"/>
-            </a:fontRef>
-          </p:style>
-        </p:cxnSp>
       </p:grpSp>
-      <p:pic>
-        <p:nvPicPr>
-          <p:cNvPr id="5" name="Picture 4" descr="A person standing in front of a screen&#10;&#10;AI-generated content may be incorrect.">
-            <a:extLst>
-              <a:ext uri="{FF2B5EF4-FFF2-40B4-BE49-F238E27FC236}">
-                <a16:creationId xmlns:a16="http://schemas.microsoft.com/office/drawing/2014/main" id="{2599520D-1B5D-3099-9F97-8E72E2595283}"/>
-              </a:ext>
-            </a:extLst>
-          </p:cNvPr>
-          <p:cNvPicPr>
-            <a:picLocks noChangeAspect="1"/>
-          </p:cNvPicPr>
-          <p:nvPr/>
-        </p:nvPicPr>
-        <p:blipFill>
-          <a:blip r:embed="rId2">
-            <a:extLst>
-              <a:ext uri="{28A0092B-C50C-407E-A947-70E740481C1C}">
-                <a14:useLocalDpi xmlns:a14="http://schemas.microsoft.com/office/drawing/2010/main" val="0"/>
-              </a:ext>
-            </a:extLst>
-          </a:blip>
-          <a:srcRect r="10944" b="-4"/>
-          <a:stretch/>
-        </p:blipFill>
-        <p:spPr>
-          <a:xfrm>
-            <a:off x="7753567" y="1419117"/>
-            <a:ext cx="3522718" cy="3955759"/>
-          </a:xfrm>
-          <a:custGeom>
-            <a:avLst/>
-            <a:gdLst/>
-            <a:ahLst/>
-            <a:cxnLst/>
-            <a:rect l="l" t="t" r="r" b="b"/>
-            <a:pathLst>
-              <a:path w="3401568" h="3819716">
-                <a:moveTo>
-                  <a:pt x="1701355" y="0"/>
-                </a:moveTo>
-                <a:cubicBezTo>
-                  <a:pt x="2640357" y="0"/>
-                  <a:pt x="3401568" y="761211"/>
-                  <a:pt x="3401568" y="1700213"/>
-                </a:cubicBezTo>
-                <a:lnTo>
-                  <a:pt x="3401568" y="2305050"/>
-                </a:lnTo>
-                <a:lnTo>
-                  <a:pt x="3401568" y="2918476"/>
-                </a:lnTo>
-                <a:lnTo>
-                  <a:pt x="3401568" y="2920565"/>
-                </a:lnTo>
-                <a:lnTo>
-                  <a:pt x="3401568" y="3819716"/>
-                </a:lnTo>
-                <a:lnTo>
-                  <a:pt x="0" y="3819716"/>
-                </a:lnTo>
-                <a:lnTo>
-                  <a:pt x="0" y="2918476"/>
-                </a:lnTo>
-                <a:lnTo>
-                  <a:pt x="1142" y="2918476"/>
-                </a:lnTo>
-                <a:lnTo>
-                  <a:pt x="1142" y="1700213"/>
-                </a:lnTo>
-                <a:cubicBezTo>
-                  <a:pt x="1142" y="761211"/>
-                  <a:pt x="762353" y="0"/>
-                  <a:pt x="1701355" y="0"/>
-                </a:cubicBezTo>
-                <a:close/>
-              </a:path>
-            </a:pathLst>
-          </a:custGeom>
-          <a:ln w="12700">
-            <a:solidFill>
-              <a:schemeClr val="accent4"/>
-            </a:solidFill>
-          </a:ln>
-        </p:spPr>
-      </p:pic>
       <p:sp>
         <p:nvSpPr>
           <p:cNvPr id="3" name="TextBox 2">
             <a:extLst>
               <a:ext uri="{FF2B5EF4-FFF2-40B4-BE49-F238E27FC236}">
-                <a16:creationId xmlns:a16="http://schemas.microsoft.com/office/drawing/2014/main" id="{D61CC1C9-2269-BD09-50E9-F063BF093249}"/>
+                <a16:creationId xmlns:a16="http://schemas.microsoft.com/office/drawing/2014/main" id="{173BB9DF-248A-7136-70FD-281F2DABCB03}"/>
               </a:ext>
             </a:extLst>
           </p:cNvPr>
@@ -8986,7 +7532,7 @@
     </p:spTree>
     <p:extLst>
       <p:ext uri="{BB962C8B-B14F-4D97-AF65-F5344CB8AC3E}">
-        <p14:creationId xmlns:p14="http://schemas.microsoft.com/office/powerpoint/2010/main" val="4013091724"/>
+        <p14:creationId xmlns:p14="http://schemas.microsoft.com/office/powerpoint/2010/main" val="3312863279"/>
       </p:ext>
     </p:extLst>
   </p:cSld>
@@ -8996,7 +7542,7 @@
 </p:sld>
 </file>
 
-<file path=ppt/slides/slide6.xml><?xml version="1.0" encoding="utf-8"?>
+<file path=ppt/slides/slide5.xml><?xml version="1.0" encoding="utf-8"?>
 <p:sld xmlns:a="http://schemas.openxmlformats.org/drawingml/2006/main" xmlns:r="http://schemas.openxmlformats.org/officeDocument/2006/relationships" xmlns:p="http://schemas.openxmlformats.org/presentationml/2006/main">
   <p:cSld>
     <p:bg>
